--- a/note/10/sk5003_w10_empirical_model_20230527_v0.pptx
+++ b/note/10/sk5003_w10_empirical_model_20230527_v0.pptx
@@ -5,10 +5,10 @@
     <p:sldMasterId id="2147483648" r:id="rId1"/>
   </p:sldMasterIdLst>
   <p:notesMasterIdLst>
-    <p:notesMasterId r:id="rId25"/>
+    <p:notesMasterId r:id="rId15"/>
   </p:notesMasterIdLst>
   <p:handoutMasterIdLst>
-    <p:handoutMasterId r:id="rId26"/>
+    <p:handoutMasterId r:id="rId16"/>
   </p:handoutMasterIdLst>
   <p:sldIdLst>
     <p:sldId id="256" r:id="rId2"/>
@@ -17,23 +17,13 @@
     <p:sldId id="645" r:id="rId5"/>
     <p:sldId id="644" r:id="rId6"/>
     <p:sldId id="679" r:id="rId7"/>
-    <p:sldId id="684" r:id="rId8"/>
-    <p:sldId id="829" r:id="rId9"/>
-    <p:sldId id="840" r:id="rId10"/>
-    <p:sldId id="841" r:id="rId11"/>
-    <p:sldId id="838" r:id="rId12"/>
-    <p:sldId id="839" r:id="rId13"/>
-    <p:sldId id="836" r:id="rId14"/>
-    <p:sldId id="837" r:id="rId15"/>
-    <p:sldId id="834" r:id="rId16"/>
-    <p:sldId id="835" r:id="rId17"/>
-    <p:sldId id="832" r:id="rId18"/>
-    <p:sldId id="833" r:id="rId19"/>
-    <p:sldId id="830" r:id="rId20"/>
-    <p:sldId id="831" r:id="rId21"/>
-    <p:sldId id="842" r:id="rId22"/>
-    <p:sldId id="843" r:id="rId23"/>
-    <p:sldId id="487" r:id="rId24"/>
+    <p:sldId id="647" r:id="rId8"/>
+    <p:sldId id="684" r:id="rId9"/>
+    <p:sldId id="829" r:id="rId10"/>
+    <p:sldId id="844" r:id="rId11"/>
+    <p:sldId id="842" r:id="rId12"/>
+    <p:sldId id="843" r:id="rId13"/>
+    <p:sldId id="487" r:id="rId14"/>
   </p:sldIdLst>
   <p:sldSz cx="9144000" cy="5143500" type="screen16x9"/>
   <p:notesSz cx="7315200" cy="12344400"/>
@@ -164,7 +154,7 @@
   </p:defaultTextStyle>
   <p:extLst>
     <p:ext uri="{EFAFB233-063F-42B5-8137-9DF3F51BA10A}">
-      <p15:sldGuideLst xmlns:p15="http://schemas.microsoft.com/office/powerpoint/2012/main" xmlns="">
+      <p15:sldGuideLst xmlns:p15="http://schemas.microsoft.com/office/powerpoint/2012/main">
         <p15:guide id="1" orient="horz" pos="1620">
           <p15:clr>
             <a:srgbClr val="A4A3A4"/>
@@ -264,7 +254,7 @@
             <a:fld id="{32836D55-C9C6-41FB-B0E7-05088DC87CF3}" type="datetimeFigureOut">
               <a:rPr lang="en-US" smtClean="0"/>
               <a:pPr/>
-              <a:t>2023-05-13</a:t>
+              <a:t>5/26/2023</a:t>
             </a:fld>
             <a:endParaRPr lang="en-US"/>
           </a:p>
@@ -340,7 +330,7 @@
     </p:spTree>
     <p:extLst>
       <p:ext uri="{BB962C8B-B14F-4D97-AF65-F5344CB8AC3E}">
-        <p14:creationId xmlns:p14="http://schemas.microsoft.com/office/powerpoint/2010/main" xmlns="" val="1"/>
+        <p14:creationId xmlns:p14="http://schemas.microsoft.com/office/powerpoint/2010/main" val="1"/>
       </p:ext>
     </p:extLst>
   </p:cSld>
@@ -442,7 +432,7 @@
               <a:pPr>
                 <a:defRPr/>
               </a:pPr>
-              <a:t>2023-05-13</a:t>
+              <a:t>5/26/2023</a:t>
             </a:fld>
             <a:endParaRPr lang="en-US"/>
           </a:p>
@@ -833,6 +823,96 @@
 </p:notes>
 </file>
 
+<file path=ppt/notesSlides/notesSlide2.xml><?xml version="1.0" encoding="utf-8"?>
+<p:notes xmlns:a="http://schemas.openxmlformats.org/drawingml/2006/main" xmlns:r="http://schemas.openxmlformats.org/officeDocument/2006/relationships" xmlns:p="http://schemas.openxmlformats.org/presentationml/2006/main">
+  <p:cSld>
+    <p:spTree>
+      <p:nvGrpSpPr>
+        <p:cNvPr id="1" name=""/>
+        <p:cNvGrpSpPr/>
+        <p:nvPr/>
+      </p:nvGrpSpPr>
+      <p:grpSpPr>
+        <a:xfrm>
+          <a:off x="0" y="0"/>
+          <a:ext cx="0" cy="0"/>
+          <a:chOff x="0" y="0"/>
+          <a:chExt cx="0" cy="0"/>
+        </a:xfrm>
+      </p:grpSpPr>
+      <p:sp>
+        <p:nvSpPr>
+          <p:cNvPr id="2" name="Slide Image Placeholder 1"/>
+          <p:cNvSpPr>
+            <a:spLocks noGrp="1" noRot="1" noChangeAspect="1"/>
+          </p:cNvSpPr>
+          <p:nvPr>
+            <p:ph type="sldImg"/>
+          </p:nvPr>
+        </p:nvSpPr>
+        <p:spPr/>
+      </p:sp>
+      <p:sp>
+        <p:nvSpPr>
+          <p:cNvPr id="3" name="Notes Placeholder 2"/>
+          <p:cNvSpPr>
+            <a:spLocks noGrp="1"/>
+          </p:cNvSpPr>
+          <p:nvPr>
+            <p:ph type="body" idx="1"/>
+          </p:nvPr>
+        </p:nvSpPr>
+        <p:spPr/>
+        <p:txBody>
+          <a:bodyPr/>
+          <a:lstStyle/>
+          <a:p>
+            <a:endParaRPr lang="en-ID"/>
+          </a:p>
+        </p:txBody>
+      </p:sp>
+      <p:sp>
+        <p:nvSpPr>
+          <p:cNvPr id="4" name="Slide Number Placeholder 3"/>
+          <p:cNvSpPr>
+            <a:spLocks noGrp="1"/>
+          </p:cNvSpPr>
+          <p:nvPr>
+            <p:ph type="sldNum" sz="quarter" idx="5"/>
+          </p:nvPr>
+        </p:nvSpPr>
+        <p:spPr/>
+        <p:txBody>
+          <a:bodyPr/>
+          <a:lstStyle/>
+          <a:p>
+            <a:pPr>
+              <a:defRPr/>
+            </a:pPr>
+            <a:fld id="{09AF5637-508C-4270-9C07-7A6F74887777}" type="slidenum">
+              <a:rPr lang="en-US" smtClean="0"/>
+              <a:pPr>
+                <a:defRPr/>
+              </a:pPr>
+              <a:t>10</a:t>
+            </a:fld>
+            <a:endParaRPr lang="en-US"/>
+          </a:p>
+        </p:txBody>
+      </p:sp>
+    </p:spTree>
+    <p:extLst>
+      <p:ext uri="{BB962C8B-B14F-4D97-AF65-F5344CB8AC3E}">
+        <p14:creationId xmlns:p14="http://schemas.microsoft.com/office/powerpoint/2010/main" val="3711353586"/>
+      </p:ext>
+    </p:extLst>
+  </p:cSld>
+  <p:clrMapOvr>
+    <a:masterClrMapping/>
+  </p:clrMapOvr>
+</p:notes>
+</file>
+
 <file path=ppt/slideLayouts/slideLayout1.xml><?xml version="1.0" encoding="utf-8"?>
 <p:sldLayout xmlns:a="http://schemas.openxmlformats.org/drawingml/2006/main" xmlns:r="http://schemas.openxmlformats.org/officeDocument/2006/relationships" xmlns:p="http://schemas.openxmlformats.org/presentationml/2006/main" preserve="1" userDrawn="1">
   <p:cSld name="Custom Layout">
@@ -869,10 +949,9 @@
               <a:defRPr/>
             </a:pPr>
             <a:r>
-              <a:rPr lang="en-US" smtClean="0"/>
+              <a:rPr lang="en-US"/>
               <a:t>SK5003 Pemrograman dalam Sains</a:t>
             </a:r>
-            <a:endParaRPr lang="en-US"/>
           </a:p>
         </p:txBody>
       </p:sp>
@@ -895,10 +974,9 @@
               <a:defRPr/>
             </a:pPr>
             <a:r>
-              <a:rPr lang="en-US" smtClean="0"/>
-              <a:t>2023-05-20 | 40132 | +62</a:t>
-            </a:r>
-            <a:endParaRPr lang="en-US"/>
+              <a:rPr lang="en-US"/>
+              <a:t>2023-05-27 | 40132 | +62</a:t>
+            </a:r>
           </a:p>
         </p:txBody>
       </p:sp>
@@ -1190,10 +1268,9 @@
               <a:defRPr/>
             </a:pPr>
             <a:r>
-              <a:rPr lang="en-US" smtClean="0"/>
+              <a:rPr lang="en-US"/>
               <a:t>SK5003 Pemrograman dalam Sains</a:t>
             </a:r>
-            <a:endParaRPr lang="en-US"/>
           </a:p>
         </p:txBody>
       </p:sp>
@@ -1220,10 +1297,9 @@
               <a:defRPr/>
             </a:pPr>
             <a:r>
-              <a:rPr lang="en-US" smtClean="0"/>
-              <a:t>2023-05-20 | 40132 | +62</a:t>
-            </a:r>
-            <a:endParaRPr lang="en-US"/>
+              <a:rPr lang="en-US"/>
+              <a:t>2023-05-27 | 40132 | +62</a:t>
+            </a:r>
           </a:p>
         </p:txBody>
       </p:sp>
@@ -1381,10 +1457,9 @@
               <a:defRPr/>
             </a:pPr>
             <a:r>
-              <a:rPr lang="en-US" smtClean="0"/>
+              <a:rPr lang="en-US"/>
               <a:t>SK5003 Pemrograman dalam Sains</a:t>
             </a:r>
-            <a:endParaRPr lang="en-US"/>
           </a:p>
         </p:txBody>
       </p:sp>
@@ -1411,10 +1486,9 @@
               <a:defRPr/>
             </a:pPr>
             <a:r>
-              <a:rPr lang="en-US" smtClean="0"/>
-              <a:t>2023-05-20 | 40132 | +62</a:t>
-            </a:r>
-            <a:endParaRPr lang="en-US"/>
+              <a:rPr lang="en-US"/>
+              <a:t>2023-05-27 | 40132 | +62</a:t>
+            </a:r>
           </a:p>
         </p:txBody>
       </p:sp>
@@ -1582,10 +1656,9 @@
               <a:defRPr/>
             </a:pPr>
             <a:r>
-              <a:rPr lang="en-US" smtClean="0"/>
+              <a:rPr lang="en-US"/>
               <a:t>SK5003 Pemrograman dalam Sains</a:t>
             </a:r>
-            <a:endParaRPr lang="en-US"/>
           </a:p>
         </p:txBody>
       </p:sp>
@@ -1612,10 +1685,9 @@
               <a:defRPr/>
             </a:pPr>
             <a:r>
-              <a:rPr lang="en-US" smtClean="0"/>
-              <a:t>2023-05-20 | 40132 | +62</a:t>
-            </a:r>
-            <a:endParaRPr lang="en-US"/>
+              <a:rPr lang="en-US"/>
+              <a:t>2023-05-27 | 40132 | +62</a:t>
+            </a:r>
           </a:p>
         </p:txBody>
       </p:sp>
@@ -1850,10 +1922,9 @@
               <a:defRPr/>
             </a:pPr>
             <a:r>
-              <a:rPr lang="en-US" smtClean="0"/>
+              <a:rPr lang="en-US"/>
               <a:t>SK5003 Pemrograman dalam Sains</a:t>
             </a:r>
-            <a:endParaRPr lang="en-US"/>
           </a:p>
         </p:txBody>
       </p:sp>
@@ -1885,10 +1956,9 @@
               <a:defRPr/>
             </a:pPr>
             <a:r>
-              <a:rPr lang="en-US" smtClean="0"/>
-              <a:t>2023-05-20 | 40132 | +62</a:t>
-            </a:r>
-            <a:endParaRPr lang="en-US"/>
+              <a:rPr lang="en-US"/>
+              <a:t>2023-05-27 | 40132 | +62</a:t>
+            </a:r>
           </a:p>
         </p:txBody>
       </p:sp>
@@ -2066,10 +2136,9 @@
               <a:defRPr/>
             </a:pPr>
             <a:r>
-              <a:rPr lang="en-US" smtClean="0"/>
+              <a:rPr lang="en-US"/>
               <a:t>SK5003 Pemrograman dalam Sains</a:t>
             </a:r>
-            <a:endParaRPr lang="en-US"/>
           </a:p>
         </p:txBody>
       </p:sp>
@@ -2096,10 +2165,9 @@
               <a:defRPr/>
             </a:pPr>
             <a:r>
-              <a:rPr lang="en-US" smtClean="0"/>
-              <a:t>2023-05-20 | 40132 | +62</a:t>
-            </a:r>
-            <a:endParaRPr lang="en-US"/>
+              <a:rPr lang="en-US"/>
+              <a:t>2023-05-27 | 40132 | +62</a:t>
+            </a:r>
           </a:p>
         </p:txBody>
       </p:sp>
@@ -2334,10 +2402,9 @@
               <a:defRPr/>
             </a:pPr>
             <a:r>
-              <a:rPr lang="en-US" smtClean="0"/>
+              <a:rPr lang="en-US"/>
               <a:t>SK5003 Pemrograman dalam Sains</a:t>
             </a:r>
-            <a:endParaRPr lang="en-US"/>
           </a:p>
         </p:txBody>
       </p:sp>
@@ -2364,10 +2431,9 @@
               <a:defRPr/>
             </a:pPr>
             <a:r>
-              <a:rPr lang="en-US" smtClean="0"/>
-              <a:t>2023-05-20 | 40132 | +62</a:t>
-            </a:r>
-            <a:endParaRPr lang="en-US"/>
+              <a:rPr lang="en-US"/>
+              <a:t>2023-05-27 | 40132 | +62</a:t>
+            </a:r>
           </a:p>
         </p:txBody>
       </p:sp>
@@ -2642,10 +2708,9 @@
               <a:defRPr/>
             </a:pPr>
             <a:r>
-              <a:rPr lang="en-US" smtClean="0"/>
+              <a:rPr lang="en-US"/>
               <a:t>SK5003 Pemrograman dalam Sains</a:t>
             </a:r>
-            <a:endParaRPr lang="en-US"/>
           </a:p>
         </p:txBody>
       </p:sp>
@@ -2672,10 +2737,9 @@
               <a:defRPr/>
             </a:pPr>
             <a:r>
-              <a:rPr lang="en-US" smtClean="0"/>
-              <a:t>2023-05-20 | 40132 | +62</a:t>
-            </a:r>
-            <a:endParaRPr lang="en-US"/>
+              <a:rPr lang="en-US"/>
+              <a:t>2023-05-27 | 40132 | +62</a:t>
+            </a:r>
           </a:p>
         </p:txBody>
       </p:sp>
@@ -3084,10 +3148,9 @@
               <a:defRPr/>
             </a:pPr>
             <a:r>
-              <a:rPr lang="en-US" smtClean="0"/>
+              <a:rPr lang="en-US"/>
               <a:t>SK5003 Pemrograman dalam Sains</a:t>
             </a:r>
-            <a:endParaRPr lang="en-US"/>
           </a:p>
         </p:txBody>
       </p:sp>
@@ -3114,10 +3177,9 @@
               <a:defRPr/>
             </a:pPr>
             <a:r>
-              <a:rPr lang="en-US" smtClean="0"/>
-              <a:t>2023-05-20 | 40132 | +62</a:t>
-            </a:r>
-            <a:endParaRPr lang="en-US"/>
+              <a:rPr lang="en-US"/>
+              <a:t>2023-05-27 | 40132 | +62</a:t>
+            </a:r>
           </a:p>
         </p:txBody>
       </p:sp>
@@ -3224,10 +3286,9 @@
               <a:defRPr/>
             </a:pPr>
             <a:r>
-              <a:rPr lang="en-US" smtClean="0"/>
+              <a:rPr lang="en-US"/>
               <a:t>SK5003 Pemrograman dalam Sains</a:t>
             </a:r>
-            <a:endParaRPr lang="en-US"/>
           </a:p>
         </p:txBody>
       </p:sp>
@@ -3254,10 +3315,9 @@
               <a:defRPr/>
             </a:pPr>
             <a:r>
-              <a:rPr lang="en-US" smtClean="0"/>
-              <a:t>2023-05-20 | 40132 | +62</a:t>
-            </a:r>
-            <a:endParaRPr lang="en-US"/>
+              <a:rPr lang="en-US"/>
+              <a:t>2023-05-27 | 40132 | +62</a:t>
+            </a:r>
           </a:p>
         </p:txBody>
       </p:sp>
@@ -3342,10 +3402,9 @@
               <a:defRPr/>
             </a:pPr>
             <a:r>
-              <a:rPr lang="en-US" smtClean="0"/>
+              <a:rPr lang="en-US"/>
               <a:t>SK5003 Pemrograman dalam Sains</a:t>
             </a:r>
-            <a:endParaRPr lang="en-US"/>
           </a:p>
         </p:txBody>
       </p:sp>
@@ -3372,10 +3431,9 @@
               <a:defRPr/>
             </a:pPr>
             <a:r>
-              <a:rPr lang="en-US" smtClean="0"/>
-              <a:t>2023-05-20 | 40132 | +62</a:t>
-            </a:r>
-            <a:endParaRPr lang="en-US"/>
+              <a:rPr lang="en-US"/>
+              <a:t>2023-05-27 | 40132 | +62</a:t>
+            </a:r>
           </a:p>
         </p:txBody>
       </p:sp>
@@ -3640,10 +3698,9 @@
               <a:defRPr/>
             </a:pPr>
             <a:r>
-              <a:rPr lang="en-US" smtClean="0"/>
+              <a:rPr lang="en-US"/>
               <a:t>SK5003 Pemrograman dalam Sains</a:t>
             </a:r>
-            <a:endParaRPr lang="en-US"/>
           </a:p>
         </p:txBody>
       </p:sp>
@@ -3670,10 +3727,9 @@
               <a:defRPr/>
             </a:pPr>
             <a:r>
-              <a:rPr lang="en-US" smtClean="0"/>
-              <a:t>2023-05-20 | 40132 | +62</a:t>
-            </a:r>
-            <a:endParaRPr lang="en-US"/>
+              <a:rPr lang="en-US"/>
+              <a:t>2023-05-27 | 40132 | +62</a:t>
+            </a:r>
           </a:p>
         </p:txBody>
       </p:sp>
@@ -3895,10 +3951,9 @@
               <a:defRPr/>
             </a:pPr>
             <a:r>
-              <a:rPr lang="en-US" smtClean="0"/>
+              <a:rPr lang="en-US"/>
               <a:t>SK5003 Pemrograman dalam Sains</a:t>
             </a:r>
-            <a:endParaRPr lang="en-US"/>
           </a:p>
         </p:txBody>
       </p:sp>
@@ -3942,10 +3997,9 @@
               <a:defRPr/>
             </a:pPr>
             <a:r>
-              <a:rPr lang="en-US" smtClean="0"/>
-              <a:t>2023-05-20 | 40132 | +62</a:t>
-            </a:r>
-            <a:endParaRPr lang="en-US"/>
+              <a:rPr lang="en-US"/>
+              <a:t>2023-05-27 | 40132 | +62</a:t>
+            </a:r>
           </a:p>
         </p:txBody>
       </p:sp>
@@ -4489,10 +4543,9 @@
           <a:lstStyle/>
           <a:p>
             <a:r>
-              <a:rPr lang="en-US" smtClean="0"/>
+              <a:rPr lang="en-US"/>
               <a:t>SK5003 Pemrograman dalam Sains</a:t>
             </a:r>
-            <a:endParaRPr lang="en-US"/>
           </a:p>
         </p:txBody>
       </p:sp>
@@ -4598,18 +4651,14 @@
           <a:p>
             <a:pPr eaLnBrk="1" hangingPunct="1"/>
             <a:r>
-              <a:rPr lang="en-US" sz="4800" smtClean="0"/>
-              <a:t>Pesiapan ujian tengah semester</a:t>
-            </a:r>
-            <a:r>
-              <a:rPr lang="en-US" sz="4800" smtClean="0"/>
-              <a:t/>
+              <a:rPr lang="en-US" sz="4800"/>
+              <a:t>Model empirik</a:t>
             </a:r>
             <a:br>
-              <a:rPr lang="en-US" sz="4800" smtClean="0"/>
+              <a:rPr lang="en-US" sz="4800"/>
             </a:br>
             <a:r>
-              <a:rPr lang="en-US" sz="3200" smtClean="0">
+              <a:rPr lang="en-US" sz="3200">
                 <a:solidFill>
                   <a:schemeClr val="bg1">
                     <a:lumMod val="75000"/>
@@ -4618,13 +4667,6 @@
               </a:rPr>
               <a:t>https://github.com/dudung/sk5003-02-2022-2</a:t>
             </a:r>
-            <a:endParaRPr lang="en-US" sz="3200">
-              <a:solidFill>
-                <a:schemeClr val="bg1">
-                  <a:lumMod val="75000"/>
-                </a:schemeClr>
-              </a:solidFill>
-            </a:endParaRPr>
           </a:p>
         </p:txBody>
       </p:sp>
@@ -4718,7 +4760,7 @@
                 <a:spcPct val="80000"/>
               </a:lnSpc>
             </a:pPr>
-            <a:endParaRPr lang="en-US" sz="1000" smtClean="0">
+            <a:endParaRPr lang="en-US" sz="1000">
               <a:solidFill>
                 <a:schemeClr val="bg1"/>
               </a:solidFill>
@@ -4730,43 +4772,14 @@
                 <a:spcPct val="80000"/>
               </a:lnSpc>
             </a:pPr>
-            <a:r>
-              <a:rPr lang="en-US" sz="1100" smtClean="0">
-                <a:solidFill>
-                  <a:schemeClr val="bg1"/>
-                </a:solidFill>
-              </a:rPr>
-              <a:t>20230513-v0| </a:t>
-            </a:r>
             <a:r>
               <a:rPr lang="en-US" sz="1100">
                 <a:solidFill>
                   <a:schemeClr val="bg1"/>
                 </a:solidFill>
               </a:rPr>
-              <a:t>https://</a:t>
-            </a:r>
-            <a:r>
-              <a:rPr lang="en-US" sz="1100" smtClean="0">
-                <a:solidFill>
-                  <a:schemeClr val="bg1"/>
-                </a:solidFill>
-              </a:rPr>
-              <a:t>doi.org/10.5281/zenodo</a:t>
-            </a:r>
-            <a:r>
-              <a:rPr lang="en-US" sz="1100" smtClean="0">
-                <a:solidFill>
-                  <a:schemeClr val="bg1"/>
-                </a:solidFill>
-              </a:rPr>
-              <a:t>.</a:t>
-            </a:r>
-            <a:endParaRPr lang="en-US" sz="1100">
-              <a:solidFill>
-                <a:schemeClr val="bg1"/>
-              </a:solidFill>
-            </a:endParaRPr>
+              <a:t>20230527-v0| https://doi.org/10.5281/zenodo.</a:t>
+            </a:r>
           </a:p>
         </p:txBody>
       </p:sp>
@@ -4844,10 +4857,9 @@
               <a:defRPr/>
             </a:pPr>
             <a:r>
-              <a:rPr lang="en-US" smtClean="0"/>
-              <a:t>2023-05-20 | 40132 | +62</a:t>
-            </a:r>
-            <a:endParaRPr lang="en-US"/>
+              <a:rPr lang="en-US"/>
+              <a:t>2023-05-27 | 40132 | +62</a:t>
+            </a:r>
           </a:p>
         </p:txBody>
       </p:sp>
@@ -4873,18 +4885,13 @@
           <a:lstStyle/>
           <a:p>
             <a:r>
-              <a:rPr lang="en-US" smtClean="0">
+              <a:rPr lang="en-US">
                 <a:solidFill>
                   <a:srgbClr val="0070C0"/>
                 </a:solidFill>
               </a:rPr>
               <a:t>.</a:t>
             </a:r>
-            <a:endParaRPr lang="en-US">
-              <a:solidFill>
-                <a:srgbClr val="0070C0"/>
-              </a:solidFill>
-            </a:endParaRPr>
           </a:p>
         </p:txBody>
       </p:sp>
@@ -4893,13 +4900,6 @@
   <p:clrMapOvr>
     <a:masterClrMapping/>
   </p:clrMapOvr>
-  <p:timing>
-    <p:tnLst>
-      <p:par>
-        <p:cTn id="1" dur="indefinite" restart="never" nodeType="tmRoot"/>
-      </p:par>
-    </p:tnLst>
-  </p:timing>
 </p:sld>
 </file>
 
@@ -4922,7 +4922,13 @@
       </p:grpSpPr>
       <p:sp>
         <p:nvSpPr>
-          <p:cNvPr id="7" name="Title 6"/>
+          <p:cNvPr id="2" name="Title 1">
+            <a:extLst>
+              <a:ext uri="{FF2B5EF4-FFF2-40B4-BE49-F238E27FC236}">
+                <a16:creationId xmlns:a16="http://schemas.microsoft.com/office/drawing/2014/main" id="{2481D008-ECA9-5FB5-4E6D-2F87C6F87889}"/>
+              </a:ext>
+            </a:extLst>
+          </p:cNvPr>
           <p:cNvSpPr>
             <a:spLocks noGrp="1"/>
           </p:cNvSpPr>
@@ -4935,13 +4941,23 @@
           <a:bodyPr/>
           <a:lstStyle/>
           <a:p>
-            <a:endParaRPr lang="en-US"/>
-          </a:p>
-        </p:txBody>
-      </p:sp>
-      <p:sp>
-        <p:nvSpPr>
-          <p:cNvPr id="8" name="Content Placeholder 7"/>
+            <a:r>
+              <a:rPr lang="en-US"/>
+              <a:t>Estimasi data antara</a:t>
+            </a:r>
+            <a:endParaRPr lang="en-ID"/>
+          </a:p>
+        </p:txBody>
+      </p:sp>
+      <p:sp>
+        <p:nvSpPr>
+          <p:cNvPr id="3" name="Content Placeholder 2">
+            <a:extLst>
+              <a:ext uri="{FF2B5EF4-FFF2-40B4-BE49-F238E27FC236}">
+                <a16:creationId xmlns:a16="http://schemas.microsoft.com/office/drawing/2014/main" id="{9FFFB18F-3ADE-F446-0BC7-8BDEBB9092A9}"/>
+              </a:ext>
+            </a:extLst>
+          </p:cNvPr>
           <p:cNvSpPr>
             <a:spLocks noGrp="1"/>
           </p:cNvSpPr>
@@ -4954,13 +4970,19 @@
           <a:bodyPr/>
           <a:lstStyle/>
           <a:p>
-            <a:endParaRPr lang="en-US"/>
-          </a:p>
-        </p:txBody>
-      </p:sp>
-      <p:sp>
-        <p:nvSpPr>
-          <p:cNvPr id="4" name="Date Placeholder 3"/>
+            <a:endParaRPr lang="en-ID"/>
+          </a:p>
+        </p:txBody>
+      </p:sp>
+      <p:sp>
+        <p:nvSpPr>
+          <p:cNvPr id="4" name="Date Placeholder 3">
+            <a:extLst>
+              <a:ext uri="{FF2B5EF4-FFF2-40B4-BE49-F238E27FC236}">
+                <a16:creationId xmlns:a16="http://schemas.microsoft.com/office/drawing/2014/main" id="{32BED76F-7662-6E02-171D-980829446B84}"/>
+              </a:ext>
+            </a:extLst>
+          </p:cNvPr>
           <p:cNvSpPr>
             <a:spLocks noGrp="1"/>
           </p:cNvSpPr>
@@ -4977,16 +4999,21 @@
               <a:defRPr/>
             </a:pPr>
             <a:r>
-              <a:rPr lang="en-US" smtClean="0"/>
+              <a:rPr lang="en-US"/>
               <a:t>SK5003 Pemrograman dalam Sains</a:t>
             </a:r>
-            <a:endParaRPr lang="en-US"/>
-          </a:p>
-        </p:txBody>
-      </p:sp>
-      <p:sp>
-        <p:nvSpPr>
-          <p:cNvPr id="5" name="Footer Placeholder 4"/>
+          </a:p>
+        </p:txBody>
+      </p:sp>
+      <p:sp>
+        <p:nvSpPr>
+          <p:cNvPr id="5" name="Footer Placeholder 4">
+            <a:extLst>
+              <a:ext uri="{FF2B5EF4-FFF2-40B4-BE49-F238E27FC236}">
+                <a16:creationId xmlns:a16="http://schemas.microsoft.com/office/drawing/2014/main" id="{8FC6F014-4C34-A76E-13D8-8006E7BEC8AE}"/>
+              </a:ext>
+            </a:extLst>
+          </p:cNvPr>
           <p:cNvSpPr>
             <a:spLocks noGrp="1"/>
           </p:cNvSpPr>
@@ -5003,16 +5030,21 @@
               <a:defRPr/>
             </a:pPr>
             <a:r>
-              <a:rPr lang="en-US" smtClean="0"/>
-              <a:t>2023-05-20 | 40132 | +62</a:t>
-            </a:r>
-            <a:endParaRPr lang="en-US"/>
-          </a:p>
-        </p:txBody>
-      </p:sp>
-      <p:sp>
-        <p:nvSpPr>
-          <p:cNvPr id="6" name="Slide Number Placeholder 5"/>
+              <a:rPr lang="en-US"/>
+              <a:t>2023-05-27 | 40132 | +62</a:t>
+            </a:r>
+          </a:p>
+        </p:txBody>
+      </p:sp>
+      <p:sp>
+        <p:nvSpPr>
+          <p:cNvPr id="6" name="Slide Number Placeholder 5">
+            <a:extLst>
+              <a:ext uri="{FF2B5EF4-FFF2-40B4-BE49-F238E27FC236}">
+                <a16:creationId xmlns:a16="http://schemas.microsoft.com/office/drawing/2014/main" id="{189A07E0-4C79-3309-0736-91B8352F756C}"/>
+              </a:ext>
+            </a:extLst>
+          </p:cNvPr>
           <p:cNvSpPr>
             <a:spLocks noGrp="1"/>
           </p:cNvSpPr>
@@ -5028,7 +5060,7 @@
             <a:pPr>
               <a:defRPr/>
             </a:pPr>
-            <a:fld id="{B41179C8-1349-4548-830D-DF332C660C9B}" type="slidenum">
+            <a:fld id="{F076344D-F0A0-4571-8A46-686886838267}" type="slidenum">
               <a:rPr lang="en-US" smtClean="0"/>
               <a:pPr>
                 <a:defRPr/>
@@ -5039,65 +5071,46 @@
           </a:p>
         </p:txBody>
       </p:sp>
-      <p:sp>
-        <p:nvSpPr>
-          <p:cNvPr id="9" name="Rectangle 8">
-            <a:hlinkClick r:id="rId2"/>
+      <p:pic>
+        <p:nvPicPr>
+          <p:cNvPr id="10" name="Picture 9">
+            <a:extLst>
+              <a:ext uri="{FF2B5EF4-FFF2-40B4-BE49-F238E27FC236}">
+                <a16:creationId xmlns:a16="http://schemas.microsoft.com/office/drawing/2014/main" id="{5787F99E-D926-21EE-3655-6BA742591913}"/>
+              </a:ext>
+            </a:extLst>
           </p:cNvPr>
-          <p:cNvSpPr/>
+          <p:cNvPicPr>
+            <a:picLocks noChangeAspect="1"/>
+          </p:cNvPicPr>
           <p:nvPr/>
-        </p:nvSpPr>
+        </p:nvPicPr>
+        <p:blipFill>
+          <a:blip r:embed="rId3"/>
+          <a:stretch>
+            <a:fillRect/>
+          </a:stretch>
+        </p:blipFill>
         <p:spPr>
           <a:xfrm>
-            <a:off x="457200" y="4129203"/>
-            <a:ext cx="8229600" cy="276999"/>
+            <a:off x="2118970" y="866229"/>
+            <a:ext cx="4906060" cy="3915321"/>
           </a:xfrm>
           <a:prstGeom prst="rect">
             <a:avLst/>
           </a:prstGeom>
         </p:spPr>
-        <p:txBody>
-          <a:bodyPr wrap="square">
-            <a:spAutoFit/>
-          </a:bodyPr>
-          <a:lstStyle/>
-          <a:p>
-            <a:r>
-              <a:rPr lang="en-US" sz="1200" smtClean="0"/>
-              <a:t>Sparisoma Viridi, “”, Zenodo, , </a:t>
-            </a:r>
-            <a:r>
-              <a:rPr lang="en-US" sz="1200" smtClean="0"/>
-              <a:t>url </a:t>
-            </a:r>
-            <a:r>
-              <a:rPr lang="en-US" sz="1200" smtClean="0">
-                <a:solidFill>
-                  <a:srgbClr val="0070C0"/>
-                </a:solidFill>
-              </a:rPr>
-              <a:t>https://doi.org/10.5281/zenodo.</a:t>
-            </a:r>
-            <a:r>
-              <a:rPr lang="en-US" sz="1200" smtClean="0"/>
-              <a:t>.</a:t>
-            </a:r>
-            <a:endParaRPr lang="en-US" sz="1200"/>
-          </a:p>
-        </p:txBody>
-      </p:sp>
+      </p:pic>
     </p:spTree>
+    <p:extLst>
+      <p:ext uri="{BB962C8B-B14F-4D97-AF65-F5344CB8AC3E}">
+        <p14:creationId xmlns:p14="http://schemas.microsoft.com/office/powerpoint/2010/main" val="43985525"/>
+      </p:ext>
+    </p:extLst>
   </p:cSld>
   <p:clrMapOvr>
     <a:masterClrMapping/>
   </p:clrMapOvr>
-  <p:timing>
-    <p:tnLst>
-      <p:par>
-        <p:cTn id="1" dur="indefinite" restart="never" nodeType="tmRoot"/>
-      </p:par>
-    </p:tnLst>
-  </p:timing>
 </p:sld>
 </file>
 
@@ -5137,10 +5150,9 @@
               <a:defRPr/>
             </a:pPr>
             <a:r>
-              <a:rPr lang="en-US" smtClean="0"/>
+              <a:rPr lang="en-US"/>
               <a:t>SK5003 Pemrograman dalam Sains</a:t>
             </a:r>
-            <a:endParaRPr lang="en-US"/>
           </a:p>
         </p:txBody>
       </p:sp>
@@ -5163,10 +5175,9 @@
               <a:defRPr/>
             </a:pPr>
             <a:r>
-              <a:rPr lang="en-US" smtClean="0"/>
-              <a:t>2023-05-20 | 40132 | +62</a:t>
-            </a:r>
-            <a:endParaRPr lang="en-US"/>
+              <a:rPr lang="en-US"/>
+              <a:t>2023-05-27 | 40132 | +62</a:t>
+            </a:r>
           </a:p>
         </p:txBody>
       </p:sp>
@@ -5238,41 +5249,14 @@
               <a:buNone/>
             </a:pPr>
             <a:r>
-              <a:rPr lang="en-US" sz="2800" b="1" smtClean="0">
+              <a:rPr lang="en-US" sz="2800" b="1">
                 <a:solidFill>
                   <a:schemeClr val="bg1"/>
                 </a:solidFill>
                 <a:latin typeface="Calibri" pitchFamily="34" charset="0"/>
               </a:rPr>
-              <a:t>Minggu 3</a:t>
-            </a:r>
-          </a:p>
-          <a:p>
-            <a:pPr algn="r">
-              <a:lnSpc>
-                <a:spcPct val="80000"/>
-              </a:lnSpc>
-              <a:spcBef>
-                <a:spcPct val="20000"/>
-              </a:spcBef>
-              <a:buFont typeface="Arial" charset="0"/>
-              <a:buNone/>
-            </a:pPr>
-            <a:r>
-              <a:rPr lang="en-US" sz="2800" b="1" smtClean="0">
-                <a:solidFill>
-                  <a:schemeClr val="bg1"/>
-                </a:solidFill>
-                <a:latin typeface="Calibri" pitchFamily="34" charset="0"/>
-              </a:rPr>
-              <a:t>Non-Python (kode pendukung)</a:t>
-            </a:r>
-            <a:endParaRPr lang="en-US" sz="2800" b="1">
-              <a:solidFill>
-                <a:schemeClr val="bg1"/>
-              </a:solidFill>
-              <a:latin typeface="Calibri" pitchFamily="34" charset="0"/>
-            </a:endParaRPr>
+              <a:t>Penutup</a:t>
+            </a:r>
           </a:p>
         </p:txBody>
       </p:sp>
@@ -5281,13 +5265,6 @@
   <p:clrMapOvr>
     <a:masterClrMapping/>
   </p:clrMapOvr>
-  <p:timing>
-    <p:tnLst>
-      <p:par>
-        <p:cTn id="1" dur="indefinite" restart="never" nodeType="tmRoot"/>
-      </p:par>
-    </p:tnLst>
-  </p:timing>
 </p:sld>
 </file>
 
@@ -5365,10 +5342,9 @@
               <a:defRPr/>
             </a:pPr>
             <a:r>
-              <a:rPr lang="en-US" smtClean="0"/>
+              <a:rPr lang="en-US"/>
               <a:t>SK5003 Pemrograman dalam Sains</a:t>
             </a:r>
-            <a:endParaRPr lang="en-US"/>
           </a:p>
         </p:txBody>
       </p:sp>
@@ -5391,10 +5367,9 @@
               <a:defRPr/>
             </a:pPr>
             <a:r>
-              <a:rPr lang="en-US" smtClean="0"/>
-              <a:t>2023-05-20 | 40132 | +62</a:t>
-            </a:r>
-            <a:endParaRPr lang="en-US"/>
+              <a:rPr lang="en-US"/>
+              <a:t>2023-05-27 | 40132 | +62</a:t>
+            </a:r>
           </a:p>
         </p:txBody>
       </p:sp>
@@ -5427,65 +5402,11 @@
           </a:p>
         </p:txBody>
       </p:sp>
-      <p:sp>
-        <p:nvSpPr>
-          <p:cNvPr id="9" name="Rectangle 8">
-            <a:hlinkClick r:id="rId2"/>
-          </p:cNvPr>
-          <p:cNvSpPr/>
-          <p:nvPr/>
-        </p:nvSpPr>
-        <p:spPr>
-          <a:xfrm>
-            <a:off x="457200" y="4129203"/>
-            <a:ext cx="8229600" cy="276999"/>
-          </a:xfrm>
-          <a:prstGeom prst="rect">
-            <a:avLst/>
-          </a:prstGeom>
-        </p:spPr>
-        <p:txBody>
-          <a:bodyPr wrap="square">
-            <a:spAutoFit/>
-          </a:bodyPr>
-          <a:lstStyle/>
-          <a:p>
-            <a:r>
-              <a:rPr lang="en-US" sz="1200" smtClean="0"/>
-              <a:t>Sparisoma Viridi, “”, Zenodo, , </a:t>
-            </a:r>
-            <a:r>
-              <a:rPr lang="en-US" sz="1200" smtClean="0"/>
-              <a:t>url </a:t>
-            </a:r>
-            <a:r>
-              <a:rPr lang="en-US" sz="1200" smtClean="0">
-                <a:solidFill>
-                  <a:srgbClr val="0070C0"/>
-                </a:solidFill>
-              </a:rPr>
-              <a:t>https://doi.org/10.5281/zenodo.</a:t>
-            </a:r>
-            <a:r>
-              <a:rPr lang="en-US" sz="1200" smtClean="0"/>
-              <a:t>.</a:t>
-            </a:r>
-            <a:endParaRPr lang="en-US" sz="1200"/>
-          </a:p>
-        </p:txBody>
-      </p:sp>
     </p:spTree>
   </p:cSld>
   <p:clrMapOvr>
     <a:masterClrMapping/>
   </p:clrMapOvr>
-  <p:timing>
-    <p:tnLst>
-      <p:par>
-        <p:cTn id="1" dur="indefinite" restart="never" nodeType="tmRoot"/>
-      </p:par>
-    </p:tnLst>
-  </p:timing>
 </p:sld>
 </file>
 
@@ -5508,33 +5429,36 @@
       </p:grpSpPr>
       <p:sp>
         <p:nvSpPr>
-          <p:cNvPr id="4" name="Date Placeholder 3"/>
-          <p:cNvSpPr>
-            <a:spLocks noGrp="1"/>
-          </p:cNvSpPr>
-          <p:nvPr>
-            <p:ph type="dt" sz="half" idx="10"/>
-          </p:nvPr>
-        </p:nvSpPr>
-        <p:spPr/>
-        <p:txBody>
-          <a:bodyPr/>
-          <a:lstStyle/>
-          <a:p>
-            <a:pPr>
-              <a:defRPr/>
-            </a:pPr>
-            <a:r>
-              <a:rPr lang="en-US" smtClean="0"/>
+          <p:cNvPr id="43010" name="Date Placeholder 3"/>
+          <p:cNvSpPr>
+            <a:spLocks noGrp="1"/>
+          </p:cNvSpPr>
+          <p:nvPr>
+            <p:ph type="dt" sz="quarter" idx="10"/>
+          </p:nvPr>
+        </p:nvSpPr>
+        <p:spPr bwMode="auto">
+          <a:noFill/>
+          <a:ln>
+            <a:miter lim="800000"/>
+            <a:headEnd/>
+            <a:tailEnd/>
+          </a:ln>
+        </p:spPr>
+        <p:txBody>
+          <a:bodyPr/>
+          <a:lstStyle/>
+          <a:p>
+            <a:r>
+              <a:rPr lang="en-US"/>
               <a:t>SK5003 Pemrograman dalam Sains</a:t>
             </a:r>
-            <a:endParaRPr lang="en-US"/>
-          </a:p>
-        </p:txBody>
-      </p:sp>
-      <p:sp>
-        <p:nvSpPr>
-          <p:cNvPr id="5" name="Footer Placeholder 4"/>
+          </a:p>
+        </p:txBody>
+      </p:sp>
+      <p:sp>
+        <p:nvSpPr>
+          <p:cNvPr id="43011" name="Footer Placeholder 4"/>
           <p:cNvSpPr>
             <a:spLocks noGrp="1"/>
           </p:cNvSpPr>
@@ -5542,25 +5466,28 @@
             <p:ph type="ftr" sz="quarter" idx="11"/>
           </p:nvPr>
         </p:nvSpPr>
-        <p:spPr/>
-        <p:txBody>
-          <a:bodyPr/>
-          <a:lstStyle/>
-          <a:p>
-            <a:pPr>
-              <a:defRPr/>
-            </a:pPr>
-            <a:r>
-              <a:rPr lang="en-US" smtClean="0"/>
-              <a:t>2023-05-20 | 40132 | +62</a:t>
-            </a:r>
-            <a:endParaRPr lang="en-US"/>
-          </a:p>
-        </p:txBody>
-      </p:sp>
-      <p:sp>
-        <p:nvSpPr>
-          <p:cNvPr id="6" name="Slide Number Placeholder 5"/>
+        <p:spPr bwMode="auto">
+          <a:noFill/>
+          <a:ln>
+            <a:miter lim="800000"/>
+            <a:headEnd/>
+            <a:tailEnd/>
+          </a:ln>
+        </p:spPr>
+        <p:txBody>
+          <a:bodyPr/>
+          <a:lstStyle/>
+          <a:p>
+            <a:r>
+              <a:rPr lang="en-US"/>
+              <a:t>2023-05-27 | 40132 | +62</a:t>
+            </a:r>
+          </a:p>
+        </p:txBody>
+      </p:sp>
+      <p:sp>
+        <p:nvSpPr>
+          <p:cNvPr id="5" name="Slide Number Placeholder 5"/>
           <p:cNvSpPr>
             <a:spLocks noGrp="1"/>
           </p:cNvSpPr>
@@ -5576,8 +5503,8 @@
             <a:pPr>
               <a:defRPr/>
             </a:pPr>
-            <a:fld id="{F076344D-F0A0-4571-8A46-686886838267}" type="slidenum">
-              <a:rPr lang="en-US" smtClean="0"/>
+            <a:fld id="{DE470EBE-197A-4ED7-87F9-BAF4AD9A6869}" type="slidenum">
+              <a:rPr lang="en-US"/>
               <a:pPr>
                 <a:defRPr/>
               </a:pPr>
@@ -5589,78 +5516,59 @@
       </p:sp>
       <p:sp>
         <p:nvSpPr>
-          <p:cNvPr id="9" name="Subtitle 2"/>
-          <p:cNvSpPr>
-            <a:spLocks/>
-          </p:cNvSpPr>
+          <p:cNvPr id="43013" name="Title 6"/>
+          <p:cNvSpPr>
+            <a:spLocks noGrp="1"/>
+          </p:cNvSpPr>
+          <p:nvPr>
+            <p:ph type="title" idx="4294967295"/>
+          </p:nvPr>
+        </p:nvSpPr>
+        <p:spPr>
+          <a:xfrm>
+            <a:off x="457200" y="2091929"/>
+            <a:ext cx="8229600" cy="857250"/>
+          </a:xfrm>
+        </p:spPr>
+        <p:txBody>
+          <a:bodyPr/>
+          <a:lstStyle/>
+          <a:p>
+            <a:pPr eaLnBrk="1" hangingPunct="1"/>
+            <a:r>
+              <a:rPr lang="en-US"/>
+              <a:t>Terima kasih</a:t>
+            </a:r>
+          </a:p>
+        </p:txBody>
+      </p:sp>
+      <p:sp>
+        <p:nvSpPr>
+          <p:cNvPr id="6" name="Rectangle 5">
+            <a:hlinkClick r:id="rId2"/>
+          </p:cNvPr>
+          <p:cNvSpPr/>
           <p:nvPr/>
         </p:nvSpPr>
-        <p:spPr bwMode="auto">
+        <p:spPr>
           <a:xfrm>
-            <a:off x="3581399" y="3105150"/>
-            <a:ext cx="5105401" cy="952500"/>
+            <a:off x="469075" y="4348100"/>
+            <a:ext cx="8217726" cy="246221"/>
           </a:xfrm>
           <a:prstGeom prst="rect">
             <a:avLst/>
           </a:prstGeom>
-          <a:noFill/>
-          <a:ln w="9525">
-            <a:noFill/>
-            <a:miter lim="800000"/>
-            <a:headEnd/>
-            <a:tailEnd/>
-          </a:ln>
         </p:spPr>
         <p:txBody>
-          <a:bodyPr/>
-          <a:lstStyle/>
-          <a:p>
-            <a:pPr algn="r">
-              <a:lnSpc>
-                <a:spcPct val="80000"/>
-              </a:lnSpc>
-              <a:spcBef>
-                <a:spcPct val="20000"/>
-              </a:spcBef>
-              <a:buFont typeface="Arial" charset="0"/>
-              <a:buNone/>
-            </a:pPr>
-            <a:r>
-              <a:rPr lang="en-US" sz="2800" b="1" smtClean="0">
-                <a:solidFill>
-                  <a:schemeClr val="bg1"/>
-                </a:solidFill>
-                <a:latin typeface="Calibri" pitchFamily="34" charset="0"/>
-              </a:rPr>
-              <a:t>Minggu 4</a:t>
-            </a:r>
-          </a:p>
-          <a:p>
-            <a:pPr algn="r">
-              <a:lnSpc>
-                <a:spcPct val="80000"/>
-              </a:lnSpc>
-              <a:spcBef>
-                <a:spcPct val="20000"/>
-              </a:spcBef>
-              <a:buFont typeface="Arial" charset="0"/>
-              <a:buNone/>
-            </a:pPr>
-            <a:r>
-              <a:rPr lang="en-US" sz="2800" b="1" smtClean="0">
-                <a:solidFill>
-                  <a:schemeClr val="bg1"/>
-                </a:solidFill>
-                <a:latin typeface="Calibri" pitchFamily="34" charset="0"/>
-              </a:rPr>
-              <a:t>Pemecahan masalah sederhana</a:t>
-            </a:r>
-            <a:endParaRPr lang="en-US" sz="2800" b="1">
-              <a:solidFill>
-                <a:schemeClr val="bg1"/>
-              </a:solidFill>
-              <a:latin typeface="Calibri" pitchFamily="34" charset="0"/>
-            </a:endParaRPr>
+          <a:bodyPr wrap="square">
+            <a:spAutoFit/>
+          </a:bodyPr>
+          <a:lstStyle/>
+          <a:p>
+            <a:r>
+              <a:rPr lang="en-US" sz="1000"/>
+              <a:t>-</a:t>
+            </a:r>
           </a:p>
         </p:txBody>
       </p:sp>
@@ -5669,1177 +5577,6 @@
   <p:clrMapOvr>
     <a:masterClrMapping/>
   </p:clrMapOvr>
-  <p:timing>
-    <p:tnLst>
-      <p:par>
-        <p:cTn id="1" dur="indefinite" restart="never" nodeType="tmRoot"/>
-      </p:par>
-    </p:tnLst>
-  </p:timing>
-</p:sld>
-</file>
-
-<file path=ppt/slides/slide14.xml><?xml version="1.0" encoding="utf-8"?>
-<p:sld xmlns:a="http://schemas.openxmlformats.org/drawingml/2006/main" xmlns:r="http://schemas.openxmlformats.org/officeDocument/2006/relationships" xmlns:p="http://schemas.openxmlformats.org/presentationml/2006/main">
-  <p:cSld>
-    <p:spTree>
-      <p:nvGrpSpPr>
-        <p:cNvPr id="1" name=""/>
-        <p:cNvGrpSpPr/>
-        <p:nvPr/>
-      </p:nvGrpSpPr>
-      <p:grpSpPr>
-        <a:xfrm>
-          <a:off x="0" y="0"/>
-          <a:ext cx="0" cy="0"/>
-          <a:chOff x="0" y="0"/>
-          <a:chExt cx="0" cy="0"/>
-        </a:xfrm>
-      </p:grpSpPr>
-      <p:sp>
-        <p:nvSpPr>
-          <p:cNvPr id="7" name="Title 6"/>
-          <p:cNvSpPr>
-            <a:spLocks noGrp="1"/>
-          </p:cNvSpPr>
-          <p:nvPr>
-            <p:ph type="title"/>
-          </p:nvPr>
-        </p:nvSpPr>
-        <p:spPr/>
-        <p:txBody>
-          <a:bodyPr/>
-          <a:lstStyle/>
-          <a:p>
-            <a:endParaRPr lang="en-US"/>
-          </a:p>
-        </p:txBody>
-      </p:sp>
-      <p:sp>
-        <p:nvSpPr>
-          <p:cNvPr id="8" name="Content Placeholder 7"/>
-          <p:cNvSpPr>
-            <a:spLocks noGrp="1"/>
-          </p:cNvSpPr>
-          <p:nvPr>
-            <p:ph idx="1"/>
-          </p:nvPr>
-        </p:nvSpPr>
-        <p:spPr/>
-        <p:txBody>
-          <a:bodyPr/>
-          <a:lstStyle/>
-          <a:p>
-            <a:endParaRPr lang="en-US"/>
-          </a:p>
-        </p:txBody>
-      </p:sp>
-      <p:sp>
-        <p:nvSpPr>
-          <p:cNvPr id="4" name="Date Placeholder 3"/>
-          <p:cNvSpPr>
-            <a:spLocks noGrp="1"/>
-          </p:cNvSpPr>
-          <p:nvPr>
-            <p:ph type="dt" sz="half" idx="10"/>
-          </p:nvPr>
-        </p:nvSpPr>
-        <p:spPr/>
-        <p:txBody>
-          <a:bodyPr/>
-          <a:lstStyle/>
-          <a:p>
-            <a:pPr>
-              <a:defRPr/>
-            </a:pPr>
-            <a:r>
-              <a:rPr lang="en-US" smtClean="0"/>
-              <a:t>SK5003 Pemrograman dalam Sains</a:t>
-            </a:r>
-            <a:endParaRPr lang="en-US"/>
-          </a:p>
-        </p:txBody>
-      </p:sp>
-      <p:sp>
-        <p:nvSpPr>
-          <p:cNvPr id="5" name="Footer Placeholder 4"/>
-          <p:cNvSpPr>
-            <a:spLocks noGrp="1"/>
-          </p:cNvSpPr>
-          <p:nvPr>
-            <p:ph type="ftr" sz="quarter" idx="11"/>
-          </p:nvPr>
-        </p:nvSpPr>
-        <p:spPr/>
-        <p:txBody>
-          <a:bodyPr/>
-          <a:lstStyle/>
-          <a:p>
-            <a:pPr>
-              <a:defRPr/>
-            </a:pPr>
-            <a:r>
-              <a:rPr lang="en-US" smtClean="0"/>
-              <a:t>2023-05-20 | 40132 | +62</a:t>
-            </a:r>
-            <a:endParaRPr lang="en-US"/>
-          </a:p>
-        </p:txBody>
-      </p:sp>
-      <p:sp>
-        <p:nvSpPr>
-          <p:cNvPr id="6" name="Slide Number Placeholder 5"/>
-          <p:cNvSpPr>
-            <a:spLocks noGrp="1"/>
-          </p:cNvSpPr>
-          <p:nvPr>
-            <p:ph type="sldNum" sz="quarter" idx="12"/>
-          </p:nvPr>
-        </p:nvSpPr>
-        <p:spPr/>
-        <p:txBody>
-          <a:bodyPr/>
-          <a:lstStyle/>
-          <a:p>
-            <a:pPr>
-              <a:defRPr/>
-            </a:pPr>
-            <a:fld id="{B41179C8-1349-4548-830D-DF332C660C9B}" type="slidenum">
-              <a:rPr lang="en-US" smtClean="0"/>
-              <a:pPr>
-                <a:defRPr/>
-              </a:pPr>
-              <a:t>14</a:t>
-            </a:fld>
-            <a:endParaRPr lang="en-US"/>
-          </a:p>
-        </p:txBody>
-      </p:sp>
-      <p:sp>
-        <p:nvSpPr>
-          <p:cNvPr id="9" name="Rectangle 8">
-            <a:hlinkClick r:id="rId2"/>
-          </p:cNvPr>
-          <p:cNvSpPr/>
-          <p:nvPr/>
-        </p:nvSpPr>
-        <p:spPr>
-          <a:xfrm>
-            <a:off x="457200" y="4129203"/>
-            <a:ext cx="8229600" cy="276999"/>
-          </a:xfrm>
-          <a:prstGeom prst="rect">
-            <a:avLst/>
-          </a:prstGeom>
-        </p:spPr>
-        <p:txBody>
-          <a:bodyPr wrap="square">
-            <a:spAutoFit/>
-          </a:bodyPr>
-          <a:lstStyle/>
-          <a:p>
-            <a:r>
-              <a:rPr lang="en-US" sz="1200" smtClean="0"/>
-              <a:t>Sparisoma Viridi, “”, Zenodo, , </a:t>
-            </a:r>
-            <a:r>
-              <a:rPr lang="en-US" sz="1200" smtClean="0"/>
-              <a:t>url </a:t>
-            </a:r>
-            <a:r>
-              <a:rPr lang="en-US" sz="1200" smtClean="0">
-                <a:solidFill>
-                  <a:srgbClr val="0070C0"/>
-                </a:solidFill>
-              </a:rPr>
-              <a:t>https://doi.org/10.5281/zenodo.</a:t>
-            </a:r>
-            <a:r>
-              <a:rPr lang="en-US" sz="1200" smtClean="0"/>
-              <a:t>.</a:t>
-            </a:r>
-            <a:endParaRPr lang="en-US" sz="1200"/>
-          </a:p>
-        </p:txBody>
-      </p:sp>
-    </p:spTree>
-  </p:cSld>
-  <p:clrMapOvr>
-    <a:masterClrMapping/>
-  </p:clrMapOvr>
-  <p:timing>
-    <p:tnLst>
-      <p:par>
-        <p:cTn id="1" dur="indefinite" restart="never" nodeType="tmRoot"/>
-      </p:par>
-    </p:tnLst>
-  </p:timing>
-</p:sld>
-</file>
-
-<file path=ppt/slides/slide15.xml><?xml version="1.0" encoding="utf-8"?>
-<p:sld xmlns:a="http://schemas.openxmlformats.org/drawingml/2006/main" xmlns:r="http://schemas.openxmlformats.org/officeDocument/2006/relationships" xmlns:p="http://schemas.openxmlformats.org/presentationml/2006/main">
-  <p:cSld>
-    <p:spTree>
-      <p:nvGrpSpPr>
-        <p:cNvPr id="1" name=""/>
-        <p:cNvGrpSpPr/>
-        <p:nvPr/>
-      </p:nvGrpSpPr>
-      <p:grpSpPr>
-        <a:xfrm>
-          <a:off x="0" y="0"/>
-          <a:ext cx="0" cy="0"/>
-          <a:chOff x="0" y="0"/>
-          <a:chExt cx="0" cy="0"/>
-        </a:xfrm>
-      </p:grpSpPr>
-      <p:sp>
-        <p:nvSpPr>
-          <p:cNvPr id="4" name="Date Placeholder 3"/>
-          <p:cNvSpPr>
-            <a:spLocks noGrp="1"/>
-          </p:cNvSpPr>
-          <p:nvPr>
-            <p:ph type="dt" sz="half" idx="10"/>
-          </p:nvPr>
-        </p:nvSpPr>
-        <p:spPr/>
-        <p:txBody>
-          <a:bodyPr/>
-          <a:lstStyle/>
-          <a:p>
-            <a:pPr>
-              <a:defRPr/>
-            </a:pPr>
-            <a:r>
-              <a:rPr lang="en-US" smtClean="0"/>
-              <a:t>SK5003 Pemrograman dalam Sains</a:t>
-            </a:r>
-            <a:endParaRPr lang="en-US"/>
-          </a:p>
-        </p:txBody>
-      </p:sp>
-      <p:sp>
-        <p:nvSpPr>
-          <p:cNvPr id="5" name="Footer Placeholder 4"/>
-          <p:cNvSpPr>
-            <a:spLocks noGrp="1"/>
-          </p:cNvSpPr>
-          <p:nvPr>
-            <p:ph type="ftr" sz="quarter" idx="11"/>
-          </p:nvPr>
-        </p:nvSpPr>
-        <p:spPr/>
-        <p:txBody>
-          <a:bodyPr/>
-          <a:lstStyle/>
-          <a:p>
-            <a:pPr>
-              <a:defRPr/>
-            </a:pPr>
-            <a:r>
-              <a:rPr lang="en-US" smtClean="0"/>
-              <a:t>2023-05-20 | 40132 | +62</a:t>
-            </a:r>
-            <a:endParaRPr lang="en-US"/>
-          </a:p>
-        </p:txBody>
-      </p:sp>
-      <p:sp>
-        <p:nvSpPr>
-          <p:cNvPr id="6" name="Slide Number Placeholder 5"/>
-          <p:cNvSpPr>
-            <a:spLocks noGrp="1"/>
-          </p:cNvSpPr>
-          <p:nvPr>
-            <p:ph type="sldNum" sz="quarter" idx="12"/>
-          </p:nvPr>
-        </p:nvSpPr>
-        <p:spPr/>
-        <p:txBody>
-          <a:bodyPr/>
-          <a:lstStyle/>
-          <a:p>
-            <a:pPr>
-              <a:defRPr/>
-            </a:pPr>
-            <a:fld id="{F076344D-F0A0-4571-8A46-686886838267}" type="slidenum">
-              <a:rPr lang="en-US" smtClean="0"/>
-              <a:pPr>
-                <a:defRPr/>
-              </a:pPr>
-              <a:t>15</a:t>
-            </a:fld>
-            <a:endParaRPr lang="en-US"/>
-          </a:p>
-        </p:txBody>
-      </p:sp>
-      <p:sp>
-        <p:nvSpPr>
-          <p:cNvPr id="9" name="Subtitle 2"/>
-          <p:cNvSpPr>
-            <a:spLocks/>
-          </p:cNvSpPr>
-          <p:nvPr/>
-        </p:nvSpPr>
-        <p:spPr bwMode="auto">
-          <a:xfrm>
-            <a:off x="3581399" y="3105150"/>
-            <a:ext cx="5105401" cy="952500"/>
-          </a:xfrm>
-          <a:prstGeom prst="rect">
-            <a:avLst/>
-          </a:prstGeom>
-          <a:noFill/>
-          <a:ln w="9525">
-            <a:noFill/>
-            <a:miter lim="800000"/>
-            <a:headEnd/>
-            <a:tailEnd/>
-          </a:ln>
-        </p:spPr>
-        <p:txBody>
-          <a:bodyPr/>
-          <a:lstStyle/>
-          <a:p>
-            <a:pPr algn="r">
-              <a:lnSpc>
-                <a:spcPct val="80000"/>
-              </a:lnSpc>
-              <a:spcBef>
-                <a:spcPct val="20000"/>
-              </a:spcBef>
-              <a:buFont typeface="Arial" charset="0"/>
-              <a:buNone/>
-            </a:pPr>
-            <a:r>
-              <a:rPr lang="en-US" sz="2800" b="1" smtClean="0">
-                <a:solidFill>
-                  <a:schemeClr val="bg1"/>
-                </a:solidFill>
-                <a:latin typeface="Calibri" pitchFamily="34" charset="0"/>
-              </a:rPr>
-              <a:t>Minggu 5</a:t>
-            </a:r>
-          </a:p>
-          <a:p>
-            <a:pPr algn="r">
-              <a:lnSpc>
-                <a:spcPct val="80000"/>
-              </a:lnSpc>
-              <a:spcBef>
-                <a:spcPct val="20000"/>
-              </a:spcBef>
-              <a:buFont typeface="Arial" charset="0"/>
-              <a:buNone/>
-            </a:pPr>
-            <a:r>
-              <a:rPr lang="en-US" sz="2800" b="1" smtClean="0">
-                <a:solidFill>
-                  <a:schemeClr val="bg1"/>
-                </a:solidFill>
-                <a:latin typeface="Calibri" pitchFamily="34" charset="0"/>
-              </a:rPr>
-              <a:t>Python: Import, Function, Class</a:t>
-            </a:r>
-            <a:endParaRPr lang="en-US" sz="2800" b="1">
-              <a:solidFill>
-                <a:schemeClr val="bg1"/>
-              </a:solidFill>
-              <a:latin typeface="Calibri" pitchFamily="34" charset="0"/>
-            </a:endParaRPr>
-          </a:p>
-        </p:txBody>
-      </p:sp>
-    </p:spTree>
-  </p:cSld>
-  <p:clrMapOvr>
-    <a:masterClrMapping/>
-  </p:clrMapOvr>
-  <p:timing>
-    <p:tnLst>
-      <p:par>
-        <p:cTn id="1" dur="indefinite" restart="never" nodeType="tmRoot"/>
-      </p:par>
-    </p:tnLst>
-  </p:timing>
-</p:sld>
-</file>
-
-<file path=ppt/slides/slide16.xml><?xml version="1.0" encoding="utf-8"?>
-<p:sld xmlns:a="http://schemas.openxmlformats.org/drawingml/2006/main" xmlns:r="http://schemas.openxmlformats.org/officeDocument/2006/relationships" xmlns:p="http://schemas.openxmlformats.org/presentationml/2006/main">
-  <p:cSld>
-    <p:spTree>
-      <p:nvGrpSpPr>
-        <p:cNvPr id="1" name=""/>
-        <p:cNvGrpSpPr/>
-        <p:nvPr/>
-      </p:nvGrpSpPr>
-      <p:grpSpPr>
-        <a:xfrm>
-          <a:off x="0" y="0"/>
-          <a:ext cx="0" cy="0"/>
-          <a:chOff x="0" y="0"/>
-          <a:chExt cx="0" cy="0"/>
-        </a:xfrm>
-      </p:grpSpPr>
-      <p:sp>
-        <p:nvSpPr>
-          <p:cNvPr id="7" name="Title 6"/>
-          <p:cNvSpPr>
-            <a:spLocks noGrp="1"/>
-          </p:cNvSpPr>
-          <p:nvPr>
-            <p:ph type="title"/>
-          </p:nvPr>
-        </p:nvSpPr>
-        <p:spPr/>
-        <p:txBody>
-          <a:bodyPr/>
-          <a:lstStyle/>
-          <a:p>
-            <a:endParaRPr lang="en-US"/>
-          </a:p>
-        </p:txBody>
-      </p:sp>
-      <p:sp>
-        <p:nvSpPr>
-          <p:cNvPr id="8" name="Content Placeholder 7"/>
-          <p:cNvSpPr>
-            <a:spLocks noGrp="1"/>
-          </p:cNvSpPr>
-          <p:nvPr>
-            <p:ph idx="1"/>
-          </p:nvPr>
-        </p:nvSpPr>
-        <p:spPr/>
-        <p:txBody>
-          <a:bodyPr/>
-          <a:lstStyle/>
-          <a:p>
-            <a:endParaRPr lang="en-US"/>
-          </a:p>
-        </p:txBody>
-      </p:sp>
-      <p:sp>
-        <p:nvSpPr>
-          <p:cNvPr id="4" name="Date Placeholder 3"/>
-          <p:cNvSpPr>
-            <a:spLocks noGrp="1"/>
-          </p:cNvSpPr>
-          <p:nvPr>
-            <p:ph type="dt" sz="half" idx="10"/>
-          </p:nvPr>
-        </p:nvSpPr>
-        <p:spPr/>
-        <p:txBody>
-          <a:bodyPr/>
-          <a:lstStyle/>
-          <a:p>
-            <a:pPr>
-              <a:defRPr/>
-            </a:pPr>
-            <a:r>
-              <a:rPr lang="en-US" smtClean="0"/>
-              <a:t>SK5003 Pemrograman dalam Sains</a:t>
-            </a:r>
-            <a:endParaRPr lang="en-US"/>
-          </a:p>
-        </p:txBody>
-      </p:sp>
-      <p:sp>
-        <p:nvSpPr>
-          <p:cNvPr id="5" name="Footer Placeholder 4"/>
-          <p:cNvSpPr>
-            <a:spLocks noGrp="1"/>
-          </p:cNvSpPr>
-          <p:nvPr>
-            <p:ph type="ftr" sz="quarter" idx="11"/>
-          </p:nvPr>
-        </p:nvSpPr>
-        <p:spPr/>
-        <p:txBody>
-          <a:bodyPr/>
-          <a:lstStyle/>
-          <a:p>
-            <a:pPr>
-              <a:defRPr/>
-            </a:pPr>
-            <a:r>
-              <a:rPr lang="en-US" smtClean="0"/>
-              <a:t>2023-05-20 | 40132 | +62</a:t>
-            </a:r>
-            <a:endParaRPr lang="en-US"/>
-          </a:p>
-        </p:txBody>
-      </p:sp>
-      <p:sp>
-        <p:nvSpPr>
-          <p:cNvPr id="6" name="Slide Number Placeholder 5"/>
-          <p:cNvSpPr>
-            <a:spLocks noGrp="1"/>
-          </p:cNvSpPr>
-          <p:nvPr>
-            <p:ph type="sldNum" sz="quarter" idx="12"/>
-          </p:nvPr>
-        </p:nvSpPr>
-        <p:spPr/>
-        <p:txBody>
-          <a:bodyPr/>
-          <a:lstStyle/>
-          <a:p>
-            <a:pPr>
-              <a:defRPr/>
-            </a:pPr>
-            <a:fld id="{B41179C8-1349-4548-830D-DF332C660C9B}" type="slidenum">
-              <a:rPr lang="en-US" smtClean="0"/>
-              <a:pPr>
-                <a:defRPr/>
-              </a:pPr>
-              <a:t>16</a:t>
-            </a:fld>
-            <a:endParaRPr lang="en-US"/>
-          </a:p>
-        </p:txBody>
-      </p:sp>
-      <p:sp>
-        <p:nvSpPr>
-          <p:cNvPr id="9" name="Rectangle 8">
-            <a:hlinkClick r:id="rId2"/>
-          </p:cNvPr>
-          <p:cNvSpPr/>
-          <p:nvPr/>
-        </p:nvSpPr>
-        <p:spPr>
-          <a:xfrm>
-            <a:off x="457200" y="4129203"/>
-            <a:ext cx="8229600" cy="276999"/>
-          </a:xfrm>
-          <a:prstGeom prst="rect">
-            <a:avLst/>
-          </a:prstGeom>
-        </p:spPr>
-        <p:txBody>
-          <a:bodyPr wrap="square">
-            <a:spAutoFit/>
-          </a:bodyPr>
-          <a:lstStyle/>
-          <a:p>
-            <a:r>
-              <a:rPr lang="en-US" sz="1200" smtClean="0"/>
-              <a:t>Sparisoma Viridi, “”, Zenodo, , </a:t>
-            </a:r>
-            <a:r>
-              <a:rPr lang="en-US" sz="1200" smtClean="0"/>
-              <a:t>url </a:t>
-            </a:r>
-            <a:r>
-              <a:rPr lang="en-US" sz="1200" smtClean="0">
-                <a:solidFill>
-                  <a:srgbClr val="0070C0"/>
-                </a:solidFill>
-              </a:rPr>
-              <a:t>https://doi.org/10.5281/zenodo.</a:t>
-            </a:r>
-            <a:r>
-              <a:rPr lang="en-US" sz="1200" smtClean="0"/>
-              <a:t>.</a:t>
-            </a:r>
-            <a:endParaRPr lang="en-US" sz="1200"/>
-          </a:p>
-        </p:txBody>
-      </p:sp>
-    </p:spTree>
-  </p:cSld>
-  <p:clrMapOvr>
-    <a:masterClrMapping/>
-  </p:clrMapOvr>
-  <p:timing>
-    <p:tnLst>
-      <p:par>
-        <p:cTn id="1" dur="indefinite" restart="never" nodeType="tmRoot"/>
-      </p:par>
-    </p:tnLst>
-  </p:timing>
-</p:sld>
-</file>
-
-<file path=ppt/slides/slide17.xml><?xml version="1.0" encoding="utf-8"?>
-<p:sld xmlns:a="http://schemas.openxmlformats.org/drawingml/2006/main" xmlns:r="http://schemas.openxmlformats.org/officeDocument/2006/relationships" xmlns:p="http://schemas.openxmlformats.org/presentationml/2006/main">
-  <p:cSld>
-    <p:spTree>
-      <p:nvGrpSpPr>
-        <p:cNvPr id="1" name=""/>
-        <p:cNvGrpSpPr/>
-        <p:nvPr/>
-      </p:nvGrpSpPr>
-      <p:grpSpPr>
-        <a:xfrm>
-          <a:off x="0" y="0"/>
-          <a:ext cx="0" cy="0"/>
-          <a:chOff x="0" y="0"/>
-          <a:chExt cx="0" cy="0"/>
-        </a:xfrm>
-      </p:grpSpPr>
-      <p:sp>
-        <p:nvSpPr>
-          <p:cNvPr id="4" name="Date Placeholder 3"/>
-          <p:cNvSpPr>
-            <a:spLocks noGrp="1"/>
-          </p:cNvSpPr>
-          <p:nvPr>
-            <p:ph type="dt" sz="half" idx="10"/>
-          </p:nvPr>
-        </p:nvSpPr>
-        <p:spPr/>
-        <p:txBody>
-          <a:bodyPr/>
-          <a:lstStyle/>
-          <a:p>
-            <a:pPr>
-              <a:defRPr/>
-            </a:pPr>
-            <a:r>
-              <a:rPr lang="en-US" smtClean="0"/>
-              <a:t>SK5003 Pemrograman dalam Sains</a:t>
-            </a:r>
-            <a:endParaRPr lang="en-US"/>
-          </a:p>
-        </p:txBody>
-      </p:sp>
-      <p:sp>
-        <p:nvSpPr>
-          <p:cNvPr id="5" name="Footer Placeholder 4"/>
-          <p:cNvSpPr>
-            <a:spLocks noGrp="1"/>
-          </p:cNvSpPr>
-          <p:nvPr>
-            <p:ph type="ftr" sz="quarter" idx="11"/>
-          </p:nvPr>
-        </p:nvSpPr>
-        <p:spPr/>
-        <p:txBody>
-          <a:bodyPr/>
-          <a:lstStyle/>
-          <a:p>
-            <a:pPr>
-              <a:defRPr/>
-            </a:pPr>
-            <a:r>
-              <a:rPr lang="en-US" smtClean="0"/>
-              <a:t>2023-05-20 | 40132 | +62</a:t>
-            </a:r>
-            <a:endParaRPr lang="en-US"/>
-          </a:p>
-        </p:txBody>
-      </p:sp>
-      <p:sp>
-        <p:nvSpPr>
-          <p:cNvPr id="6" name="Slide Number Placeholder 5"/>
-          <p:cNvSpPr>
-            <a:spLocks noGrp="1"/>
-          </p:cNvSpPr>
-          <p:nvPr>
-            <p:ph type="sldNum" sz="quarter" idx="12"/>
-          </p:nvPr>
-        </p:nvSpPr>
-        <p:spPr/>
-        <p:txBody>
-          <a:bodyPr/>
-          <a:lstStyle/>
-          <a:p>
-            <a:pPr>
-              <a:defRPr/>
-            </a:pPr>
-            <a:fld id="{F076344D-F0A0-4571-8A46-686886838267}" type="slidenum">
-              <a:rPr lang="en-US" smtClean="0"/>
-              <a:pPr>
-                <a:defRPr/>
-              </a:pPr>
-              <a:t>17</a:t>
-            </a:fld>
-            <a:endParaRPr lang="en-US"/>
-          </a:p>
-        </p:txBody>
-      </p:sp>
-      <p:sp>
-        <p:nvSpPr>
-          <p:cNvPr id="9" name="Subtitle 2"/>
-          <p:cNvSpPr>
-            <a:spLocks/>
-          </p:cNvSpPr>
-          <p:nvPr/>
-        </p:nvSpPr>
-        <p:spPr bwMode="auto">
-          <a:xfrm>
-            <a:off x="3581399" y="3105150"/>
-            <a:ext cx="5105401" cy="952500"/>
-          </a:xfrm>
-          <a:prstGeom prst="rect">
-            <a:avLst/>
-          </a:prstGeom>
-          <a:noFill/>
-          <a:ln w="9525">
-            <a:noFill/>
-            <a:miter lim="800000"/>
-            <a:headEnd/>
-            <a:tailEnd/>
-          </a:ln>
-        </p:spPr>
-        <p:txBody>
-          <a:bodyPr/>
-          <a:lstStyle/>
-          <a:p>
-            <a:pPr algn="r">
-              <a:lnSpc>
-                <a:spcPct val="80000"/>
-              </a:lnSpc>
-              <a:spcBef>
-                <a:spcPct val="20000"/>
-              </a:spcBef>
-              <a:buFont typeface="Arial" charset="0"/>
-              <a:buNone/>
-            </a:pPr>
-            <a:r>
-              <a:rPr lang="en-US" sz="2800" b="1" smtClean="0">
-                <a:solidFill>
-                  <a:schemeClr val="bg1"/>
-                </a:solidFill>
-                <a:latin typeface="Calibri" pitchFamily="34" charset="0"/>
-              </a:rPr>
-              <a:t>Minggu 6</a:t>
-            </a:r>
-          </a:p>
-          <a:p>
-            <a:pPr algn="r">
-              <a:lnSpc>
-                <a:spcPct val="80000"/>
-              </a:lnSpc>
-              <a:spcBef>
-                <a:spcPct val="20000"/>
-              </a:spcBef>
-              <a:buFont typeface="Arial" charset="0"/>
-              <a:buNone/>
-            </a:pPr>
-            <a:r>
-              <a:rPr lang="en-US" sz="2800" b="1" smtClean="0">
-                <a:solidFill>
-                  <a:schemeClr val="bg1"/>
-                </a:solidFill>
-                <a:latin typeface="Calibri" pitchFamily="34" charset="0"/>
-              </a:rPr>
-              <a:t>Sekilas linked list &amp; Python</a:t>
-            </a:r>
-            <a:endParaRPr lang="en-US" sz="2800" b="1">
-              <a:solidFill>
-                <a:schemeClr val="bg1"/>
-              </a:solidFill>
-              <a:latin typeface="Calibri" pitchFamily="34" charset="0"/>
-            </a:endParaRPr>
-          </a:p>
-        </p:txBody>
-      </p:sp>
-    </p:spTree>
-  </p:cSld>
-  <p:clrMapOvr>
-    <a:masterClrMapping/>
-  </p:clrMapOvr>
-  <p:timing>
-    <p:tnLst>
-      <p:par>
-        <p:cTn id="1" dur="indefinite" restart="never" nodeType="tmRoot"/>
-      </p:par>
-    </p:tnLst>
-  </p:timing>
-</p:sld>
-</file>
-
-<file path=ppt/slides/slide18.xml><?xml version="1.0" encoding="utf-8"?>
-<p:sld xmlns:a="http://schemas.openxmlformats.org/drawingml/2006/main" xmlns:r="http://schemas.openxmlformats.org/officeDocument/2006/relationships" xmlns:p="http://schemas.openxmlformats.org/presentationml/2006/main">
-  <p:cSld>
-    <p:spTree>
-      <p:nvGrpSpPr>
-        <p:cNvPr id="1" name=""/>
-        <p:cNvGrpSpPr/>
-        <p:nvPr/>
-      </p:nvGrpSpPr>
-      <p:grpSpPr>
-        <a:xfrm>
-          <a:off x="0" y="0"/>
-          <a:ext cx="0" cy="0"/>
-          <a:chOff x="0" y="0"/>
-          <a:chExt cx="0" cy="0"/>
-        </a:xfrm>
-      </p:grpSpPr>
-      <p:sp>
-        <p:nvSpPr>
-          <p:cNvPr id="7" name="Title 6"/>
-          <p:cNvSpPr>
-            <a:spLocks noGrp="1"/>
-          </p:cNvSpPr>
-          <p:nvPr>
-            <p:ph type="title"/>
-          </p:nvPr>
-        </p:nvSpPr>
-        <p:spPr/>
-        <p:txBody>
-          <a:bodyPr/>
-          <a:lstStyle/>
-          <a:p>
-            <a:endParaRPr lang="en-US"/>
-          </a:p>
-        </p:txBody>
-      </p:sp>
-      <p:sp>
-        <p:nvSpPr>
-          <p:cNvPr id="8" name="Content Placeholder 7"/>
-          <p:cNvSpPr>
-            <a:spLocks noGrp="1"/>
-          </p:cNvSpPr>
-          <p:nvPr>
-            <p:ph idx="1"/>
-          </p:nvPr>
-        </p:nvSpPr>
-        <p:spPr/>
-        <p:txBody>
-          <a:bodyPr/>
-          <a:lstStyle/>
-          <a:p>
-            <a:endParaRPr lang="en-US"/>
-          </a:p>
-        </p:txBody>
-      </p:sp>
-      <p:sp>
-        <p:nvSpPr>
-          <p:cNvPr id="4" name="Date Placeholder 3"/>
-          <p:cNvSpPr>
-            <a:spLocks noGrp="1"/>
-          </p:cNvSpPr>
-          <p:nvPr>
-            <p:ph type="dt" sz="half" idx="10"/>
-          </p:nvPr>
-        </p:nvSpPr>
-        <p:spPr/>
-        <p:txBody>
-          <a:bodyPr/>
-          <a:lstStyle/>
-          <a:p>
-            <a:pPr>
-              <a:defRPr/>
-            </a:pPr>
-            <a:r>
-              <a:rPr lang="en-US" smtClean="0"/>
-              <a:t>SK5003 Pemrograman dalam Sains</a:t>
-            </a:r>
-            <a:endParaRPr lang="en-US"/>
-          </a:p>
-        </p:txBody>
-      </p:sp>
-      <p:sp>
-        <p:nvSpPr>
-          <p:cNvPr id="5" name="Footer Placeholder 4"/>
-          <p:cNvSpPr>
-            <a:spLocks noGrp="1"/>
-          </p:cNvSpPr>
-          <p:nvPr>
-            <p:ph type="ftr" sz="quarter" idx="11"/>
-          </p:nvPr>
-        </p:nvSpPr>
-        <p:spPr/>
-        <p:txBody>
-          <a:bodyPr/>
-          <a:lstStyle/>
-          <a:p>
-            <a:pPr>
-              <a:defRPr/>
-            </a:pPr>
-            <a:r>
-              <a:rPr lang="en-US" smtClean="0"/>
-              <a:t>2023-05-20 | 40132 | +62</a:t>
-            </a:r>
-            <a:endParaRPr lang="en-US"/>
-          </a:p>
-        </p:txBody>
-      </p:sp>
-      <p:sp>
-        <p:nvSpPr>
-          <p:cNvPr id="6" name="Slide Number Placeholder 5"/>
-          <p:cNvSpPr>
-            <a:spLocks noGrp="1"/>
-          </p:cNvSpPr>
-          <p:nvPr>
-            <p:ph type="sldNum" sz="quarter" idx="12"/>
-          </p:nvPr>
-        </p:nvSpPr>
-        <p:spPr/>
-        <p:txBody>
-          <a:bodyPr/>
-          <a:lstStyle/>
-          <a:p>
-            <a:pPr>
-              <a:defRPr/>
-            </a:pPr>
-            <a:fld id="{B41179C8-1349-4548-830D-DF332C660C9B}" type="slidenum">
-              <a:rPr lang="en-US" smtClean="0"/>
-              <a:pPr>
-                <a:defRPr/>
-              </a:pPr>
-              <a:t>18</a:t>
-            </a:fld>
-            <a:endParaRPr lang="en-US"/>
-          </a:p>
-        </p:txBody>
-      </p:sp>
-      <p:sp>
-        <p:nvSpPr>
-          <p:cNvPr id="9" name="Rectangle 8">
-            <a:hlinkClick r:id="rId2"/>
-          </p:cNvPr>
-          <p:cNvSpPr/>
-          <p:nvPr/>
-        </p:nvSpPr>
-        <p:spPr>
-          <a:xfrm>
-            <a:off x="457200" y="4129203"/>
-            <a:ext cx="8229600" cy="276999"/>
-          </a:xfrm>
-          <a:prstGeom prst="rect">
-            <a:avLst/>
-          </a:prstGeom>
-        </p:spPr>
-        <p:txBody>
-          <a:bodyPr wrap="square">
-            <a:spAutoFit/>
-          </a:bodyPr>
-          <a:lstStyle/>
-          <a:p>
-            <a:r>
-              <a:rPr lang="en-US" sz="1200" smtClean="0"/>
-              <a:t>Sparisoma Viridi, “”, Zenodo, , </a:t>
-            </a:r>
-            <a:r>
-              <a:rPr lang="en-US" sz="1200" smtClean="0"/>
-              <a:t>url </a:t>
-            </a:r>
-            <a:r>
-              <a:rPr lang="en-US" sz="1200" smtClean="0">
-                <a:solidFill>
-                  <a:srgbClr val="0070C0"/>
-                </a:solidFill>
-              </a:rPr>
-              <a:t>https://doi.org/10.5281/zenodo.</a:t>
-            </a:r>
-            <a:r>
-              <a:rPr lang="en-US" sz="1200" smtClean="0"/>
-              <a:t>.</a:t>
-            </a:r>
-            <a:endParaRPr lang="en-US" sz="1200"/>
-          </a:p>
-        </p:txBody>
-      </p:sp>
-    </p:spTree>
-  </p:cSld>
-  <p:clrMapOvr>
-    <a:masterClrMapping/>
-  </p:clrMapOvr>
-  <p:timing>
-    <p:tnLst>
-      <p:par>
-        <p:cTn id="1" dur="indefinite" restart="never" nodeType="tmRoot"/>
-      </p:par>
-    </p:tnLst>
-  </p:timing>
-</p:sld>
-</file>
-
-<file path=ppt/slides/slide19.xml><?xml version="1.0" encoding="utf-8"?>
-<p:sld xmlns:a="http://schemas.openxmlformats.org/drawingml/2006/main" xmlns:r="http://schemas.openxmlformats.org/officeDocument/2006/relationships" xmlns:p="http://schemas.openxmlformats.org/presentationml/2006/main">
-  <p:cSld>
-    <p:spTree>
-      <p:nvGrpSpPr>
-        <p:cNvPr id="1" name=""/>
-        <p:cNvGrpSpPr/>
-        <p:nvPr/>
-      </p:nvGrpSpPr>
-      <p:grpSpPr>
-        <a:xfrm>
-          <a:off x="0" y="0"/>
-          <a:ext cx="0" cy="0"/>
-          <a:chOff x="0" y="0"/>
-          <a:chExt cx="0" cy="0"/>
-        </a:xfrm>
-      </p:grpSpPr>
-      <p:sp>
-        <p:nvSpPr>
-          <p:cNvPr id="4" name="Date Placeholder 3"/>
-          <p:cNvSpPr>
-            <a:spLocks noGrp="1"/>
-          </p:cNvSpPr>
-          <p:nvPr>
-            <p:ph type="dt" sz="half" idx="10"/>
-          </p:nvPr>
-        </p:nvSpPr>
-        <p:spPr/>
-        <p:txBody>
-          <a:bodyPr/>
-          <a:lstStyle/>
-          <a:p>
-            <a:pPr>
-              <a:defRPr/>
-            </a:pPr>
-            <a:r>
-              <a:rPr lang="en-US" smtClean="0"/>
-              <a:t>SK5003 Pemrograman dalam Sains</a:t>
-            </a:r>
-            <a:endParaRPr lang="en-US"/>
-          </a:p>
-        </p:txBody>
-      </p:sp>
-      <p:sp>
-        <p:nvSpPr>
-          <p:cNvPr id="5" name="Footer Placeholder 4"/>
-          <p:cNvSpPr>
-            <a:spLocks noGrp="1"/>
-          </p:cNvSpPr>
-          <p:nvPr>
-            <p:ph type="ftr" sz="quarter" idx="11"/>
-          </p:nvPr>
-        </p:nvSpPr>
-        <p:spPr/>
-        <p:txBody>
-          <a:bodyPr/>
-          <a:lstStyle/>
-          <a:p>
-            <a:pPr>
-              <a:defRPr/>
-            </a:pPr>
-            <a:r>
-              <a:rPr lang="en-US" smtClean="0"/>
-              <a:t>2023-05-20 | 40132 | +62</a:t>
-            </a:r>
-            <a:endParaRPr lang="en-US"/>
-          </a:p>
-        </p:txBody>
-      </p:sp>
-      <p:sp>
-        <p:nvSpPr>
-          <p:cNvPr id="6" name="Slide Number Placeholder 5"/>
-          <p:cNvSpPr>
-            <a:spLocks noGrp="1"/>
-          </p:cNvSpPr>
-          <p:nvPr>
-            <p:ph type="sldNum" sz="quarter" idx="12"/>
-          </p:nvPr>
-        </p:nvSpPr>
-        <p:spPr/>
-        <p:txBody>
-          <a:bodyPr/>
-          <a:lstStyle/>
-          <a:p>
-            <a:pPr>
-              <a:defRPr/>
-            </a:pPr>
-            <a:fld id="{F076344D-F0A0-4571-8A46-686886838267}" type="slidenum">
-              <a:rPr lang="en-US" smtClean="0"/>
-              <a:pPr>
-                <a:defRPr/>
-              </a:pPr>
-              <a:t>19</a:t>
-            </a:fld>
-            <a:endParaRPr lang="en-US"/>
-          </a:p>
-        </p:txBody>
-      </p:sp>
-      <p:sp>
-        <p:nvSpPr>
-          <p:cNvPr id="9" name="Subtitle 2"/>
-          <p:cNvSpPr>
-            <a:spLocks/>
-          </p:cNvSpPr>
-          <p:nvPr/>
-        </p:nvSpPr>
-        <p:spPr bwMode="auto">
-          <a:xfrm>
-            <a:off x="3276601" y="3105150"/>
-            <a:ext cx="5410200" cy="952500"/>
-          </a:xfrm>
-          <a:prstGeom prst="rect">
-            <a:avLst/>
-          </a:prstGeom>
-          <a:noFill/>
-          <a:ln w="9525">
-            <a:noFill/>
-            <a:miter lim="800000"/>
-            <a:headEnd/>
-            <a:tailEnd/>
-          </a:ln>
-        </p:spPr>
-        <p:txBody>
-          <a:bodyPr/>
-          <a:lstStyle/>
-          <a:p>
-            <a:pPr algn="r">
-              <a:lnSpc>
-                <a:spcPct val="80000"/>
-              </a:lnSpc>
-              <a:spcBef>
-                <a:spcPct val="20000"/>
-              </a:spcBef>
-              <a:buFont typeface="Arial" charset="0"/>
-              <a:buNone/>
-            </a:pPr>
-            <a:r>
-              <a:rPr lang="en-US" sz="2800" b="1" smtClean="0">
-                <a:solidFill>
-                  <a:schemeClr val="bg1"/>
-                </a:solidFill>
-                <a:latin typeface="Calibri" pitchFamily="34" charset="0"/>
-              </a:rPr>
-              <a:t>Minggu 7</a:t>
-            </a:r>
-          </a:p>
-          <a:p>
-            <a:pPr algn="r">
-              <a:lnSpc>
-                <a:spcPct val="80000"/>
-              </a:lnSpc>
-              <a:spcBef>
-                <a:spcPct val="20000"/>
-              </a:spcBef>
-              <a:buFont typeface="Arial" charset="0"/>
-              <a:buNone/>
-            </a:pPr>
-            <a:r>
-              <a:rPr lang="en-US" sz="2800" b="1" smtClean="0">
-                <a:solidFill>
-                  <a:schemeClr val="bg1"/>
-                </a:solidFill>
-                <a:latin typeface="Calibri" pitchFamily="34" charset="0"/>
-              </a:rPr>
-              <a:t>Import modul built-in &amp; eksternal</a:t>
-            </a:r>
-            <a:endParaRPr lang="en-US" sz="2800" b="1">
-              <a:solidFill>
-                <a:schemeClr val="bg1"/>
-              </a:solidFill>
-              <a:latin typeface="Calibri" pitchFamily="34" charset="0"/>
-            </a:endParaRPr>
-          </a:p>
-        </p:txBody>
-      </p:sp>
-    </p:spTree>
-  </p:cSld>
-  <p:clrMapOvr>
-    <a:masterClrMapping/>
-  </p:clrMapOvr>
-  <p:timing>
-    <p:tnLst>
-      <p:par>
-        <p:cTn id="1" dur="indefinite" restart="never" nodeType="tmRoot"/>
-      </p:par>
-    </p:tnLst>
-  </p:timing>
 </p:sld>
 </file>
 
@@ -6882,23 +5619,7 @@
           <a:p>
             <a:r>
               <a:rPr lang="en-US" sz="2600"/>
-              <a:t>Silakan berdiskusi untuk </a:t>
-            </a:r>
-            <a:r>
-              <a:rPr lang="en-US" sz="2600" smtClean="0"/>
-              <a:t>kuliah mandiri </a:t>
-            </a:r>
-            <a:r>
-              <a:rPr lang="en-US" sz="2600"/>
-              <a:t>hari ini di</a:t>
-            </a:r>
-            <a:r>
-              <a:rPr lang="en-US" sz="2600">
-                <a:solidFill>
-                  <a:srgbClr val="0070C0"/>
-                </a:solidFill>
-              </a:rPr>
-              <a:t/>
+              <a:t>Silakan berdiskusi untuk kuliah hari ini di</a:t>
             </a:r>
             <a:br>
               <a:rPr lang="en-US" sz="2600">
@@ -6913,21 +5634,8 @@
                   <a:srgbClr val="0070C0"/>
                 </a:solidFill>
               </a:rPr>
-              <a:t>https://</a:t>
-            </a:r>
-            <a:r>
-              <a:rPr lang="en-US" sz="2500" smtClean="0">
-                <a:solidFill>
-                  <a:srgbClr val="0070C0"/>
-                </a:solidFill>
-              </a:rPr>
-              <a:t>github.com/dudung/sk5003-02-2022-2/issues/11</a:t>
-            </a:r>
-            <a:endParaRPr lang="en-US" sz="2500">
-              <a:solidFill>
-                <a:srgbClr val="0070C0"/>
-              </a:solidFill>
-            </a:endParaRPr>
+              <a:t>https://github.com/dudung/sk5003-02-2022-2/issues/12</a:t>
+            </a:r>
           </a:p>
         </p:txBody>
       </p:sp>
@@ -6950,10 +5658,9 @@
               <a:defRPr/>
             </a:pPr>
             <a:r>
-              <a:rPr lang="en-US" smtClean="0"/>
+              <a:rPr lang="en-US"/>
               <a:t>SK5003 Pemrograman dalam Sains</a:t>
             </a:r>
-            <a:endParaRPr lang="en-US"/>
           </a:p>
         </p:txBody>
       </p:sp>
@@ -6976,10 +5683,9 @@
               <a:defRPr/>
             </a:pPr>
             <a:r>
-              <a:rPr lang="en-US" smtClean="0"/>
-              <a:t>2023-05-20 | 40132 | +62</a:t>
-            </a:r>
-            <a:endParaRPr lang="en-US"/>
+              <a:rPr lang="en-US"/>
+              <a:t>2023-05-27 | 40132 | +62</a:t>
+            </a:r>
           </a:p>
         </p:txBody>
       </p:sp>
@@ -7067,710 +5773,6 @@
   <p:clrMapOvr>
     <a:masterClrMapping/>
   </p:clrMapOvr>
-  <p:timing>
-    <p:tnLst>
-      <p:par>
-        <p:cTn id="1" dur="indefinite" restart="never" nodeType="tmRoot"/>
-      </p:par>
-    </p:tnLst>
-  </p:timing>
-</p:sld>
-</file>
-
-<file path=ppt/slides/slide20.xml><?xml version="1.0" encoding="utf-8"?>
-<p:sld xmlns:a="http://schemas.openxmlformats.org/drawingml/2006/main" xmlns:r="http://schemas.openxmlformats.org/officeDocument/2006/relationships" xmlns:p="http://schemas.openxmlformats.org/presentationml/2006/main">
-  <p:cSld>
-    <p:spTree>
-      <p:nvGrpSpPr>
-        <p:cNvPr id="1" name=""/>
-        <p:cNvGrpSpPr/>
-        <p:nvPr/>
-      </p:nvGrpSpPr>
-      <p:grpSpPr>
-        <a:xfrm>
-          <a:off x="0" y="0"/>
-          <a:ext cx="0" cy="0"/>
-          <a:chOff x="0" y="0"/>
-          <a:chExt cx="0" cy="0"/>
-        </a:xfrm>
-      </p:grpSpPr>
-      <p:sp>
-        <p:nvSpPr>
-          <p:cNvPr id="7" name="Title 6"/>
-          <p:cNvSpPr>
-            <a:spLocks noGrp="1"/>
-          </p:cNvSpPr>
-          <p:nvPr>
-            <p:ph type="title"/>
-          </p:nvPr>
-        </p:nvSpPr>
-        <p:spPr/>
-        <p:txBody>
-          <a:bodyPr/>
-          <a:lstStyle/>
-          <a:p>
-            <a:endParaRPr lang="en-US"/>
-          </a:p>
-        </p:txBody>
-      </p:sp>
-      <p:sp>
-        <p:nvSpPr>
-          <p:cNvPr id="8" name="Content Placeholder 7"/>
-          <p:cNvSpPr>
-            <a:spLocks noGrp="1"/>
-          </p:cNvSpPr>
-          <p:nvPr>
-            <p:ph idx="1"/>
-          </p:nvPr>
-        </p:nvSpPr>
-        <p:spPr/>
-        <p:txBody>
-          <a:bodyPr/>
-          <a:lstStyle/>
-          <a:p>
-            <a:endParaRPr lang="en-US"/>
-          </a:p>
-        </p:txBody>
-      </p:sp>
-      <p:sp>
-        <p:nvSpPr>
-          <p:cNvPr id="4" name="Date Placeholder 3"/>
-          <p:cNvSpPr>
-            <a:spLocks noGrp="1"/>
-          </p:cNvSpPr>
-          <p:nvPr>
-            <p:ph type="dt" sz="half" idx="10"/>
-          </p:nvPr>
-        </p:nvSpPr>
-        <p:spPr/>
-        <p:txBody>
-          <a:bodyPr/>
-          <a:lstStyle/>
-          <a:p>
-            <a:pPr>
-              <a:defRPr/>
-            </a:pPr>
-            <a:r>
-              <a:rPr lang="en-US" smtClean="0"/>
-              <a:t>SK5003 Pemrograman dalam Sains</a:t>
-            </a:r>
-            <a:endParaRPr lang="en-US"/>
-          </a:p>
-        </p:txBody>
-      </p:sp>
-      <p:sp>
-        <p:nvSpPr>
-          <p:cNvPr id="5" name="Footer Placeholder 4"/>
-          <p:cNvSpPr>
-            <a:spLocks noGrp="1"/>
-          </p:cNvSpPr>
-          <p:nvPr>
-            <p:ph type="ftr" sz="quarter" idx="11"/>
-          </p:nvPr>
-        </p:nvSpPr>
-        <p:spPr/>
-        <p:txBody>
-          <a:bodyPr/>
-          <a:lstStyle/>
-          <a:p>
-            <a:pPr>
-              <a:defRPr/>
-            </a:pPr>
-            <a:r>
-              <a:rPr lang="en-US" smtClean="0"/>
-              <a:t>2023-05-20 | 40132 | +62</a:t>
-            </a:r>
-            <a:endParaRPr lang="en-US"/>
-          </a:p>
-        </p:txBody>
-      </p:sp>
-      <p:sp>
-        <p:nvSpPr>
-          <p:cNvPr id="6" name="Slide Number Placeholder 5"/>
-          <p:cNvSpPr>
-            <a:spLocks noGrp="1"/>
-          </p:cNvSpPr>
-          <p:nvPr>
-            <p:ph type="sldNum" sz="quarter" idx="12"/>
-          </p:nvPr>
-        </p:nvSpPr>
-        <p:spPr/>
-        <p:txBody>
-          <a:bodyPr/>
-          <a:lstStyle/>
-          <a:p>
-            <a:pPr>
-              <a:defRPr/>
-            </a:pPr>
-            <a:fld id="{B41179C8-1349-4548-830D-DF332C660C9B}" type="slidenum">
-              <a:rPr lang="en-US" smtClean="0"/>
-              <a:pPr>
-                <a:defRPr/>
-              </a:pPr>
-              <a:t>20</a:t>
-            </a:fld>
-            <a:endParaRPr lang="en-US"/>
-          </a:p>
-        </p:txBody>
-      </p:sp>
-      <p:sp>
-        <p:nvSpPr>
-          <p:cNvPr id="9" name="Rectangle 8">
-            <a:hlinkClick r:id="rId2"/>
-          </p:cNvPr>
-          <p:cNvSpPr/>
-          <p:nvPr/>
-        </p:nvSpPr>
-        <p:spPr>
-          <a:xfrm>
-            <a:off x="457200" y="4129203"/>
-            <a:ext cx="8229600" cy="276999"/>
-          </a:xfrm>
-          <a:prstGeom prst="rect">
-            <a:avLst/>
-          </a:prstGeom>
-        </p:spPr>
-        <p:txBody>
-          <a:bodyPr wrap="square">
-            <a:spAutoFit/>
-          </a:bodyPr>
-          <a:lstStyle/>
-          <a:p>
-            <a:r>
-              <a:rPr lang="en-US" sz="1200" smtClean="0"/>
-              <a:t>Sparisoma Viridi, “”, Zenodo, , </a:t>
-            </a:r>
-            <a:r>
-              <a:rPr lang="en-US" sz="1200" smtClean="0"/>
-              <a:t>url </a:t>
-            </a:r>
-            <a:r>
-              <a:rPr lang="en-US" sz="1200" smtClean="0">
-                <a:solidFill>
-                  <a:srgbClr val="0070C0"/>
-                </a:solidFill>
-              </a:rPr>
-              <a:t>https://doi.org/10.5281/zenodo.</a:t>
-            </a:r>
-            <a:r>
-              <a:rPr lang="en-US" sz="1200" smtClean="0"/>
-              <a:t>.</a:t>
-            </a:r>
-            <a:endParaRPr lang="en-US" sz="1200"/>
-          </a:p>
-        </p:txBody>
-      </p:sp>
-    </p:spTree>
-  </p:cSld>
-  <p:clrMapOvr>
-    <a:masterClrMapping/>
-  </p:clrMapOvr>
-  <p:timing>
-    <p:tnLst>
-      <p:par>
-        <p:cTn id="1" dur="indefinite" restart="never" nodeType="tmRoot"/>
-      </p:par>
-    </p:tnLst>
-  </p:timing>
-</p:sld>
-</file>
-
-<file path=ppt/slides/slide21.xml><?xml version="1.0" encoding="utf-8"?>
-<p:sld xmlns:a="http://schemas.openxmlformats.org/drawingml/2006/main" xmlns:r="http://schemas.openxmlformats.org/officeDocument/2006/relationships" xmlns:p="http://schemas.openxmlformats.org/presentationml/2006/main">
-  <p:cSld>
-    <p:spTree>
-      <p:nvGrpSpPr>
-        <p:cNvPr id="1" name=""/>
-        <p:cNvGrpSpPr/>
-        <p:nvPr/>
-      </p:nvGrpSpPr>
-      <p:grpSpPr>
-        <a:xfrm>
-          <a:off x="0" y="0"/>
-          <a:ext cx="0" cy="0"/>
-          <a:chOff x="0" y="0"/>
-          <a:chExt cx="0" cy="0"/>
-        </a:xfrm>
-      </p:grpSpPr>
-      <p:sp>
-        <p:nvSpPr>
-          <p:cNvPr id="4" name="Date Placeholder 3"/>
-          <p:cNvSpPr>
-            <a:spLocks noGrp="1"/>
-          </p:cNvSpPr>
-          <p:nvPr>
-            <p:ph type="dt" sz="half" idx="10"/>
-          </p:nvPr>
-        </p:nvSpPr>
-        <p:spPr/>
-        <p:txBody>
-          <a:bodyPr/>
-          <a:lstStyle/>
-          <a:p>
-            <a:pPr>
-              <a:defRPr/>
-            </a:pPr>
-            <a:r>
-              <a:rPr lang="en-US" smtClean="0"/>
-              <a:t>SK5003 Pemrograman dalam Sains</a:t>
-            </a:r>
-            <a:endParaRPr lang="en-US"/>
-          </a:p>
-        </p:txBody>
-      </p:sp>
-      <p:sp>
-        <p:nvSpPr>
-          <p:cNvPr id="5" name="Footer Placeholder 4"/>
-          <p:cNvSpPr>
-            <a:spLocks noGrp="1"/>
-          </p:cNvSpPr>
-          <p:nvPr>
-            <p:ph type="ftr" sz="quarter" idx="11"/>
-          </p:nvPr>
-        </p:nvSpPr>
-        <p:spPr/>
-        <p:txBody>
-          <a:bodyPr/>
-          <a:lstStyle/>
-          <a:p>
-            <a:pPr>
-              <a:defRPr/>
-            </a:pPr>
-            <a:r>
-              <a:rPr lang="en-US" smtClean="0"/>
-              <a:t>2023-05-20 | 40132 | +62</a:t>
-            </a:r>
-            <a:endParaRPr lang="en-US"/>
-          </a:p>
-        </p:txBody>
-      </p:sp>
-      <p:sp>
-        <p:nvSpPr>
-          <p:cNvPr id="6" name="Slide Number Placeholder 5"/>
-          <p:cNvSpPr>
-            <a:spLocks noGrp="1"/>
-          </p:cNvSpPr>
-          <p:nvPr>
-            <p:ph type="sldNum" sz="quarter" idx="12"/>
-          </p:nvPr>
-        </p:nvSpPr>
-        <p:spPr/>
-        <p:txBody>
-          <a:bodyPr/>
-          <a:lstStyle/>
-          <a:p>
-            <a:pPr>
-              <a:defRPr/>
-            </a:pPr>
-            <a:fld id="{F076344D-F0A0-4571-8A46-686886838267}" type="slidenum">
-              <a:rPr lang="en-US" smtClean="0"/>
-              <a:pPr>
-                <a:defRPr/>
-              </a:pPr>
-              <a:t>21</a:t>
-            </a:fld>
-            <a:endParaRPr lang="en-US"/>
-          </a:p>
-        </p:txBody>
-      </p:sp>
-      <p:sp>
-        <p:nvSpPr>
-          <p:cNvPr id="9" name="Subtitle 2"/>
-          <p:cNvSpPr>
-            <a:spLocks/>
-          </p:cNvSpPr>
-          <p:nvPr/>
-        </p:nvSpPr>
-        <p:spPr bwMode="auto">
-          <a:xfrm>
-            <a:off x="3581399" y="3105150"/>
-            <a:ext cx="5105401" cy="952500"/>
-          </a:xfrm>
-          <a:prstGeom prst="rect">
-            <a:avLst/>
-          </a:prstGeom>
-          <a:noFill/>
-          <a:ln w="9525">
-            <a:noFill/>
-            <a:miter lim="800000"/>
-            <a:headEnd/>
-            <a:tailEnd/>
-          </a:ln>
-        </p:spPr>
-        <p:txBody>
-          <a:bodyPr/>
-          <a:lstStyle/>
-          <a:p>
-            <a:pPr algn="r">
-              <a:lnSpc>
-                <a:spcPct val="80000"/>
-              </a:lnSpc>
-              <a:spcBef>
-                <a:spcPct val="20000"/>
-              </a:spcBef>
-              <a:buFont typeface="Arial" charset="0"/>
-              <a:buNone/>
-            </a:pPr>
-            <a:r>
-              <a:rPr lang="en-US" sz="2800" b="1" smtClean="0">
-                <a:solidFill>
-                  <a:schemeClr val="bg1"/>
-                </a:solidFill>
-                <a:latin typeface="Calibri" pitchFamily="34" charset="0"/>
-              </a:rPr>
-              <a:t>Penutup</a:t>
-            </a:r>
-            <a:endParaRPr lang="en-US" sz="2800" b="1">
-              <a:solidFill>
-                <a:schemeClr val="bg1"/>
-              </a:solidFill>
-              <a:latin typeface="Calibri" pitchFamily="34" charset="0"/>
-            </a:endParaRPr>
-          </a:p>
-        </p:txBody>
-      </p:sp>
-    </p:spTree>
-  </p:cSld>
-  <p:clrMapOvr>
-    <a:masterClrMapping/>
-  </p:clrMapOvr>
-  <p:timing>
-    <p:tnLst>
-      <p:par>
-        <p:cTn id="1" dur="indefinite" restart="never" nodeType="tmRoot"/>
-      </p:par>
-    </p:tnLst>
-  </p:timing>
-</p:sld>
-</file>
-
-<file path=ppt/slides/slide22.xml><?xml version="1.0" encoding="utf-8"?>
-<p:sld xmlns:a="http://schemas.openxmlformats.org/drawingml/2006/main" xmlns:r="http://schemas.openxmlformats.org/officeDocument/2006/relationships" xmlns:p="http://schemas.openxmlformats.org/presentationml/2006/main">
-  <p:cSld>
-    <p:spTree>
-      <p:nvGrpSpPr>
-        <p:cNvPr id="1" name=""/>
-        <p:cNvGrpSpPr/>
-        <p:nvPr/>
-      </p:nvGrpSpPr>
-      <p:grpSpPr>
-        <a:xfrm>
-          <a:off x="0" y="0"/>
-          <a:ext cx="0" cy="0"/>
-          <a:chOff x="0" y="0"/>
-          <a:chExt cx="0" cy="0"/>
-        </a:xfrm>
-      </p:grpSpPr>
-      <p:sp>
-        <p:nvSpPr>
-          <p:cNvPr id="7" name="Title 6"/>
-          <p:cNvSpPr>
-            <a:spLocks noGrp="1"/>
-          </p:cNvSpPr>
-          <p:nvPr>
-            <p:ph type="title"/>
-          </p:nvPr>
-        </p:nvSpPr>
-        <p:spPr/>
-        <p:txBody>
-          <a:bodyPr/>
-          <a:lstStyle/>
-          <a:p>
-            <a:endParaRPr lang="en-US"/>
-          </a:p>
-        </p:txBody>
-      </p:sp>
-      <p:sp>
-        <p:nvSpPr>
-          <p:cNvPr id="8" name="Content Placeholder 7"/>
-          <p:cNvSpPr>
-            <a:spLocks noGrp="1"/>
-          </p:cNvSpPr>
-          <p:nvPr>
-            <p:ph idx="1"/>
-          </p:nvPr>
-        </p:nvSpPr>
-        <p:spPr/>
-        <p:txBody>
-          <a:bodyPr/>
-          <a:lstStyle/>
-          <a:p>
-            <a:endParaRPr lang="en-US"/>
-          </a:p>
-        </p:txBody>
-      </p:sp>
-      <p:sp>
-        <p:nvSpPr>
-          <p:cNvPr id="4" name="Date Placeholder 3"/>
-          <p:cNvSpPr>
-            <a:spLocks noGrp="1"/>
-          </p:cNvSpPr>
-          <p:nvPr>
-            <p:ph type="dt" sz="half" idx="10"/>
-          </p:nvPr>
-        </p:nvSpPr>
-        <p:spPr/>
-        <p:txBody>
-          <a:bodyPr/>
-          <a:lstStyle/>
-          <a:p>
-            <a:pPr>
-              <a:defRPr/>
-            </a:pPr>
-            <a:r>
-              <a:rPr lang="en-US" smtClean="0"/>
-              <a:t>SK5003 Pemrograman dalam Sains</a:t>
-            </a:r>
-            <a:endParaRPr lang="en-US"/>
-          </a:p>
-        </p:txBody>
-      </p:sp>
-      <p:sp>
-        <p:nvSpPr>
-          <p:cNvPr id="5" name="Footer Placeholder 4"/>
-          <p:cNvSpPr>
-            <a:spLocks noGrp="1"/>
-          </p:cNvSpPr>
-          <p:nvPr>
-            <p:ph type="ftr" sz="quarter" idx="11"/>
-          </p:nvPr>
-        </p:nvSpPr>
-        <p:spPr/>
-        <p:txBody>
-          <a:bodyPr/>
-          <a:lstStyle/>
-          <a:p>
-            <a:pPr>
-              <a:defRPr/>
-            </a:pPr>
-            <a:r>
-              <a:rPr lang="en-US" smtClean="0"/>
-              <a:t>2023-05-20 | 40132 | +62</a:t>
-            </a:r>
-            <a:endParaRPr lang="en-US"/>
-          </a:p>
-        </p:txBody>
-      </p:sp>
-      <p:sp>
-        <p:nvSpPr>
-          <p:cNvPr id="6" name="Slide Number Placeholder 5"/>
-          <p:cNvSpPr>
-            <a:spLocks noGrp="1"/>
-          </p:cNvSpPr>
-          <p:nvPr>
-            <p:ph type="sldNum" sz="quarter" idx="12"/>
-          </p:nvPr>
-        </p:nvSpPr>
-        <p:spPr/>
-        <p:txBody>
-          <a:bodyPr/>
-          <a:lstStyle/>
-          <a:p>
-            <a:pPr>
-              <a:defRPr/>
-            </a:pPr>
-            <a:fld id="{B41179C8-1349-4548-830D-DF332C660C9B}" type="slidenum">
-              <a:rPr lang="en-US" smtClean="0"/>
-              <a:pPr>
-                <a:defRPr/>
-              </a:pPr>
-              <a:t>22</a:t>
-            </a:fld>
-            <a:endParaRPr lang="en-US"/>
-          </a:p>
-        </p:txBody>
-      </p:sp>
-    </p:spTree>
-  </p:cSld>
-  <p:clrMapOvr>
-    <a:masterClrMapping/>
-  </p:clrMapOvr>
-  <p:timing>
-    <p:tnLst>
-      <p:par>
-        <p:cTn id="1" dur="indefinite" restart="never" nodeType="tmRoot"/>
-      </p:par>
-    </p:tnLst>
-  </p:timing>
-</p:sld>
-</file>
-
-<file path=ppt/slides/slide23.xml><?xml version="1.0" encoding="utf-8"?>
-<p:sld xmlns:a="http://schemas.openxmlformats.org/drawingml/2006/main" xmlns:r="http://schemas.openxmlformats.org/officeDocument/2006/relationships" xmlns:p="http://schemas.openxmlformats.org/presentationml/2006/main">
-  <p:cSld>
-    <p:spTree>
-      <p:nvGrpSpPr>
-        <p:cNvPr id="1" name=""/>
-        <p:cNvGrpSpPr/>
-        <p:nvPr/>
-      </p:nvGrpSpPr>
-      <p:grpSpPr>
-        <a:xfrm>
-          <a:off x="0" y="0"/>
-          <a:ext cx="0" cy="0"/>
-          <a:chOff x="0" y="0"/>
-          <a:chExt cx="0" cy="0"/>
-        </a:xfrm>
-      </p:grpSpPr>
-      <p:sp>
-        <p:nvSpPr>
-          <p:cNvPr id="43010" name="Date Placeholder 3"/>
-          <p:cNvSpPr>
-            <a:spLocks noGrp="1"/>
-          </p:cNvSpPr>
-          <p:nvPr>
-            <p:ph type="dt" sz="quarter" idx="10"/>
-          </p:nvPr>
-        </p:nvSpPr>
-        <p:spPr bwMode="auto">
-          <a:noFill/>
-          <a:ln>
-            <a:miter lim="800000"/>
-            <a:headEnd/>
-            <a:tailEnd/>
-          </a:ln>
-        </p:spPr>
-        <p:txBody>
-          <a:bodyPr/>
-          <a:lstStyle/>
-          <a:p>
-            <a:r>
-              <a:rPr lang="en-US" smtClean="0"/>
-              <a:t>SK5003 Pemrograman dalam Sains</a:t>
-            </a:r>
-            <a:endParaRPr lang="en-US"/>
-          </a:p>
-        </p:txBody>
-      </p:sp>
-      <p:sp>
-        <p:nvSpPr>
-          <p:cNvPr id="43011" name="Footer Placeholder 4"/>
-          <p:cNvSpPr>
-            <a:spLocks noGrp="1"/>
-          </p:cNvSpPr>
-          <p:nvPr>
-            <p:ph type="ftr" sz="quarter" idx="11"/>
-          </p:nvPr>
-        </p:nvSpPr>
-        <p:spPr bwMode="auto">
-          <a:noFill/>
-          <a:ln>
-            <a:miter lim="800000"/>
-            <a:headEnd/>
-            <a:tailEnd/>
-          </a:ln>
-        </p:spPr>
-        <p:txBody>
-          <a:bodyPr/>
-          <a:lstStyle/>
-          <a:p>
-            <a:r>
-              <a:rPr lang="en-US" smtClean="0"/>
-              <a:t>2023-05-20 | 40132 | +62</a:t>
-            </a:r>
-            <a:endParaRPr lang="en-US"/>
-          </a:p>
-        </p:txBody>
-      </p:sp>
-      <p:sp>
-        <p:nvSpPr>
-          <p:cNvPr id="5" name="Slide Number Placeholder 5"/>
-          <p:cNvSpPr>
-            <a:spLocks noGrp="1"/>
-          </p:cNvSpPr>
-          <p:nvPr>
-            <p:ph type="sldNum" sz="quarter" idx="12"/>
-          </p:nvPr>
-        </p:nvSpPr>
-        <p:spPr/>
-        <p:txBody>
-          <a:bodyPr/>
-          <a:lstStyle/>
-          <a:p>
-            <a:pPr>
-              <a:defRPr/>
-            </a:pPr>
-            <a:fld id="{DE470EBE-197A-4ED7-87F9-BAF4AD9A6869}" type="slidenum">
-              <a:rPr lang="en-US"/>
-              <a:pPr>
-                <a:defRPr/>
-              </a:pPr>
-              <a:t>23</a:t>
-            </a:fld>
-            <a:endParaRPr lang="en-US"/>
-          </a:p>
-        </p:txBody>
-      </p:sp>
-      <p:sp>
-        <p:nvSpPr>
-          <p:cNvPr id="43013" name="Title 6"/>
-          <p:cNvSpPr>
-            <a:spLocks noGrp="1"/>
-          </p:cNvSpPr>
-          <p:nvPr>
-            <p:ph type="title" idx="4294967295"/>
-          </p:nvPr>
-        </p:nvSpPr>
-        <p:spPr>
-          <a:xfrm>
-            <a:off x="457200" y="2091929"/>
-            <a:ext cx="8229600" cy="857250"/>
-          </a:xfrm>
-        </p:spPr>
-        <p:txBody>
-          <a:bodyPr/>
-          <a:lstStyle/>
-          <a:p>
-            <a:pPr eaLnBrk="1" hangingPunct="1"/>
-            <a:r>
-              <a:rPr lang="en-US"/>
-              <a:t>Terima kasih</a:t>
-            </a:r>
-          </a:p>
-        </p:txBody>
-      </p:sp>
-      <p:sp>
-        <p:nvSpPr>
-          <p:cNvPr id="6" name="Rectangle 5">
-            <a:hlinkClick r:id="rId2"/>
-          </p:cNvPr>
-          <p:cNvSpPr/>
-          <p:nvPr/>
-        </p:nvSpPr>
-        <p:spPr>
-          <a:xfrm>
-            <a:off x="469075" y="4348100"/>
-            <a:ext cx="8217726" cy="246221"/>
-          </a:xfrm>
-          <a:prstGeom prst="rect">
-            <a:avLst/>
-          </a:prstGeom>
-        </p:spPr>
-        <p:txBody>
-          <a:bodyPr wrap="square">
-            <a:spAutoFit/>
-          </a:bodyPr>
-          <a:lstStyle/>
-          <a:p>
-            <a:r>
-              <a:rPr lang="en-US" sz="1000"/>
-              <a:t>-</a:t>
-            </a:r>
-          </a:p>
-        </p:txBody>
-      </p:sp>
-    </p:spTree>
-  </p:cSld>
-  <p:clrMapOvr>
-    <a:masterClrMapping/>
-  </p:clrMapOvr>
-  <p:timing>
-    <p:tnLst>
-      <p:par>
-        <p:cTn id="1" dur="indefinite" restart="never" nodeType="tmRoot"/>
-      </p:par>
-    </p:tnLst>
-  </p:timing>
 </p:sld>
 </file>
 
@@ -7835,11 +5837,7 @@
             </a:pPr>
             <a:r>
               <a:rPr lang="en-US"/>
-              <a:t>SAP dan referensi	</a:t>
-            </a:r>
-            <a:r>
-              <a:rPr lang="en-US" smtClean="0"/>
-              <a:t>4</a:t>
+              <a:t>SAP dan referensi	4</a:t>
             </a:r>
           </a:p>
           <a:p>
@@ -7849,12 +5847,8 @@
               </a:tabLst>
             </a:pPr>
             <a:r>
-              <a:rPr lang="en-US" smtClean="0"/>
-              <a:t>Minggu 1</a:t>
-            </a:r>
-            <a:r>
-              <a:rPr lang="en-US" smtClean="0"/>
-              <a:t>	</a:t>
+              <a:rPr lang="en-US"/>
+              <a:t>Interpolasi	8</a:t>
             </a:r>
           </a:p>
           <a:p>
@@ -7863,11 +5857,24 @@
                 <a:tab pos="3657600" algn="r"/>
               </a:tabLst>
             </a:pPr>
-            <a:r>
-              <a:rPr lang="en-US" smtClean="0"/>
-              <a:t>Minggu 2	</a:t>
-            </a:r>
-          </a:p>
+            <a:endParaRPr lang="en-US"/>
+          </a:p>
+        </p:txBody>
+      </p:sp>
+      <p:sp>
+        <p:nvSpPr>
+          <p:cNvPr id="10" name="Content Placeholder 9"/>
+          <p:cNvSpPr>
+            <a:spLocks noGrp="1"/>
+          </p:cNvSpPr>
+          <p:nvPr>
+            <p:ph sz="half" idx="2"/>
+          </p:nvPr>
+        </p:nvSpPr>
+        <p:spPr/>
+        <p:txBody>
+          <a:bodyPr/>
+          <a:lstStyle/>
           <a:p>
             <a:pPr>
               <a:tabLst>
@@ -7875,8 +5882,8 @@
               </a:tabLst>
             </a:pPr>
             <a:r>
-              <a:rPr lang="en-US" smtClean="0"/>
-              <a:t>Minggu 3	</a:t>
+              <a:rPr lang="en-US"/>
+              <a:t>	</a:t>
             </a:r>
           </a:p>
           <a:p>
@@ -7885,88 +5892,12 @@
                 <a:tab pos="3657600" algn="r"/>
               </a:tabLst>
             </a:pPr>
-            <a:r>
-              <a:rPr lang="en-US" smtClean="0"/>
-              <a:t>Minggu 4	</a:t>
-            </a:r>
-          </a:p>
-          <a:p>
-            <a:pPr>
-              <a:tabLst>
-                <a:tab pos="3657600" algn="r"/>
-              </a:tabLst>
-            </a:pPr>
-            <a:r>
-              <a:rPr lang="en-US" smtClean="0"/>
-              <a:t>Minggu 5	</a:t>
-            </a:r>
-          </a:p>
-          <a:p>
-            <a:pPr>
-              <a:tabLst>
-                <a:tab pos="3657600" algn="r"/>
-              </a:tabLst>
-            </a:pPr>
-            <a:r>
-              <a:rPr lang="en-US" smtClean="0"/>
-              <a:t>Minggu 6	</a:t>
-            </a:r>
             <a:endParaRPr lang="en-US"/>
           </a:p>
         </p:txBody>
       </p:sp>
       <p:sp>
         <p:nvSpPr>
-          <p:cNvPr id="10" name="Content Placeholder 9"/>
-          <p:cNvSpPr>
-            <a:spLocks noGrp="1"/>
-          </p:cNvSpPr>
-          <p:nvPr>
-            <p:ph sz="half" idx="2"/>
-          </p:nvPr>
-        </p:nvSpPr>
-        <p:spPr/>
-        <p:txBody>
-          <a:bodyPr/>
-          <a:lstStyle/>
-          <a:p>
-            <a:pPr>
-              <a:tabLst>
-                <a:tab pos="3657600" algn="r"/>
-              </a:tabLst>
-            </a:pPr>
-            <a:r>
-              <a:rPr lang="en-US" smtClean="0"/>
-              <a:t>Minggu 7</a:t>
-            </a:r>
-          </a:p>
-          <a:p>
-            <a:pPr>
-              <a:tabLst>
-                <a:tab pos="3657600" algn="r"/>
-              </a:tabLst>
-            </a:pPr>
-            <a:r>
-              <a:rPr lang="en-US" smtClean="0"/>
-              <a:t>Penutup</a:t>
-            </a:r>
-            <a:r>
-              <a:rPr lang="en-US" smtClean="0"/>
-              <a:t>	</a:t>
-            </a:r>
-          </a:p>
-          <a:p>
-            <a:pPr>
-              <a:tabLst>
-                <a:tab pos="3657600" algn="r"/>
-              </a:tabLst>
-            </a:pPr>
-            <a:endParaRPr lang="en-US"/>
-          </a:p>
-        </p:txBody>
-      </p:sp>
-      <p:sp>
-        <p:nvSpPr>
           <p:cNvPr id="5" name="Date Placeholder 4"/>
           <p:cNvSpPr>
             <a:spLocks noGrp="1"/>
@@ -7984,10 +5915,9 @@
               <a:defRPr/>
             </a:pPr>
             <a:r>
-              <a:rPr lang="en-US" smtClean="0"/>
+              <a:rPr lang="en-US"/>
               <a:t>SK5003 Pemrograman dalam Sains</a:t>
             </a:r>
-            <a:endParaRPr lang="en-US"/>
           </a:p>
         </p:txBody>
       </p:sp>
@@ -8010,10 +5940,9 @@
               <a:defRPr/>
             </a:pPr>
             <a:r>
-              <a:rPr lang="en-US" smtClean="0"/>
-              <a:t>2023-05-20 | 40132 | +62</a:t>
-            </a:r>
-            <a:endParaRPr lang="en-US"/>
+              <a:rPr lang="en-US"/>
+              <a:t>2023-05-27 | 40132 | +62</a:t>
+            </a:r>
           </a:p>
         </p:txBody>
       </p:sp>
@@ -8051,13 +5980,6 @@
   <p:clrMapOvr>
     <a:masterClrMapping/>
   </p:clrMapOvr>
-  <p:timing>
-    <p:tnLst>
-      <p:par>
-        <p:cTn id="1" dur="indefinite" restart="never" nodeType="tmRoot"/>
-      </p:par>
-    </p:tnLst>
-  </p:timing>
 </p:sld>
 </file>
 
@@ -8097,10 +6019,9 @@
               <a:defRPr/>
             </a:pPr>
             <a:r>
-              <a:rPr lang="en-US" smtClean="0"/>
+              <a:rPr lang="en-US"/>
               <a:t>SK5003 Pemrograman dalam Sains</a:t>
             </a:r>
-            <a:endParaRPr lang="en-US"/>
           </a:p>
         </p:txBody>
       </p:sp>
@@ -8123,10 +6044,9 @@
               <a:defRPr/>
             </a:pPr>
             <a:r>
-              <a:rPr lang="en-US" smtClean="0"/>
-              <a:t>2023-05-20 | 40132 | +62</a:t>
-            </a:r>
-            <a:endParaRPr lang="en-US"/>
+              <a:rPr lang="en-US"/>
+              <a:t>2023-05-27 | 40132 | +62</a:t>
+            </a:r>
           </a:p>
         </p:txBody>
       </p:sp>
@@ -8214,13 +6134,6 @@
   <p:clrMapOvr>
     <a:masterClrMapping/>
   </p:clrMapOvr>
-  <p:timing>
-    <p:tnLst>
-      <p:par>
-        <p:cTn id="1" dur="indefinite" restart="never" nodeType="tmRoot"/>
-      </p:par>
-    </p:tnLst>
-  </p:timing>
 </p:sld>
 </file>
 
@@ -8258,13 +6171,8 @@
           <a:p>
             <a:r>
               <a:rPr lang="en-US"/>
-              <a:t>Minggu </a:t>
-            </a:r>
-            <a:r>
-              <a:rPr lang="en-US" smtClean="0"/>
-              <a:t>8</a:t>
-            </a:r>
-            <a:endParaRPr lang="en-US"/>
+              <a:t>Minggu 8</a:t>
+            </a:r>
           </a:p>
         </p:txBody>
       </p:sp>
@@ -8278,14 +6186,14 @@
             <p:ph idx="1"/>
             <p:extLst>
               <p:ext uri="{D42A27DB-BD31-4B8C-83A1-F6EECF244321}">
-                <p14:modId xmlns:p14="http://schemas.microsoft.com/office/powerpoint/2010/main" xmlns="" val="777739743"/>
+                <p14:modId xmlns:p14="http://schemas.microsoft.com/office/powerpoint/2010/main" val="1461379969"/>
               </p:ext>
             </p:extLst>
           </p:nvPr>
         </p:nvGraphicFramePr>
         <p:xfrm>
           <a:off x="457200" y="1200150"/>
-          <a:ext cx="8229600" cy="1010920"/>
+          <a:ext cx="8229600" cy="1833880"/>
         </p:xfrm>
         <a:graphic>
           <a:graphicData uri="http://schemas.openxmlformats.org/drawingml/2006/table">
@@ -8297,28 +6205,28 @@
                 <a:gridCol w="914400">
                   <a:extLst>
                     <a:ext uri="{9D8B030D-6E8A-4147-A177-3AD203B41FA5}">
-                      <a16:colId xmlns:a16="http://schemas.microsoft.com/office/drawing/2014/main" xmlns="" val="20000"/>
+                      <a16:colId xmlns:a16="http://schemas.microsoft.com/office/drawing/2014/main" val="20000"/>
                     </a:ext>
                   </a:extLst>
                 </a:gridCol>
                 <a:gridCol w="2133600">
                   <a:extLst>
                     <a:ext uri="{9D8B030D-6E8A-4147-A177-3AD203B41FA5}">
-                      <a16:colId xmlns:a16="http://schemas.microsoft.com/office/drawing/2014/main" xmlns="" val="20001"/>
+                      <a16:colId xmlns:a16="http://schemas.microsoft.com/office/drawing/2014/main" val="20001"/>
                     </a:ext>
                   </a:extLst>
                 </a:gridCol>
                 <a:gridCol w="2209800">
                   <a:extLst>
                     <a:ext uri="{9D8B030D-6E8A-4147-A177-3AD203B41FA5}">
-                      <a16:colId xmlns:a16="http://schemas.microsoft.com/office/drawing/2014/main" xmlns="" val="20002"/>
+                      <a16:colId xmlns:a16="http://schemas.microsoft.com/office/drawing/2014/main" val="20002"/>
                     </a:ext>
                   </a:extLst>
                 </a:gridCol>
                 <a:gridCol w="2971800">
                   <a:extLst>
                     <a:ext uri="{9D8B030D-6E8A-4147-A177-3AD203B41FA5}">
-                      <a16:colId xmlns:a16="http://schemas.microsoft.com/office/drawing/2014/main" xmlns="" val="20003"/>
+                      <a16:colId xmlns:a16="http://schemas.microsoft.com/office/drawing/2014/main" val="20003"/>
                     </a:ext>
                   </a:extLst>
                 </a:gridCol>
@@ -8379,7 +6287,7 @@
                 </a:tc>
                 <a:extLst>
                   <a:ext uri="{0D108BD9-81ED-4DB2-BD59-A6C34878D82A}">
-                    <a16:rowId xmlns:a16="http://schemas.microsoft.com/office/drawing/2014/main" xmlns="" val="10000"/>
+                    <a16:rowId xmlns:a16="http://schemas.microsoft.com/office/drawing/2014/main" val="10000"/>
                   </a:ext>
                 </a:extLst>
               </a:tr>
@@ -8392,9 +6300,8 @@
                       <a:pPr algn="ctr"/>
                       <a:r>
                         <a:rPr lang="en-US"/>
-                        <a:t>8</a:t>
+                        <a:t>11</a:t>
                       </a:r>
-                      <a:endParaRPr lang="en-US"/>
                     </a:p>
                   </a:txBody>
                   <a:tcPr/>
@@ -8405,7 +6312,7 @@
                     <a:lstStyle/>
                     <a:p>
                       <a:r>
-                        <a:rPr lang="en-US" sz="1800" b="0" i="0" kern="1200" smtClean="0">
+                        <a:rPr lang="en-US" sz="1800" b="0" i="0" kern="1200">
                           <a:solidFill>
                             <a:schemeClr val="dk1"/>
                           </a:solidFill>
@@ -8413,21 +6320,7 @@
                           <a:ea typeface="+mn-ea"/>
                           <a:cs typeface="+mn-cs"/>
                         </a:rPr>
-                        <a:t>Ujian Tengah Semester</a:t>
-                      </a:r>
-                      <a:endParaRPr lang="en-US"/>
-                    </a:p>
-                  </a:txBody>
-                  <a:tcPr/>
-                </a:tc>
-                <a:tc>
-                  <a:txBody>
-                    <a:bodyPr/>
-                    <a:lstStyle/>
-                    <a:p>
-                      <a:r>
-                        <a:rPr lang="en-US" smtClean="0"/>
-                        <a:t>-</a:t>
+                        <a:t>Model komputasi fundamental dengan Python</a:t>
                       </a:r>
                       <a:endParaRPr lang="en-US"/>
                     </a:p>
@@ -8441,24 +6334,28 @@
                     <a:p>
                       <a:r>
                         <a:rPr lang="en-US"/>
-                        <a:t>Kemampuan untuk </a:t>
+                        <a:t>Model empirik dengan interpolasi dan fitting kurva, penggunaan array dengan Numpy</a:t>
                       </a:r>
+                    </a:p>
+                  </a:txBody>
+                  <a:tcPr/>
+                </a:tc>
+                <a:tc>
+                  <a:txBody>
+                    <a:bodyPr/>
+                    <a:lstStyle/>
+                    <a:p>
                       <a:r>
-                        <a:rPr lang="en-US" smtClean="0"/>
-                        <a:t>mema-hami materi minggu 1</a:t>
+                        <a:rPr lang="en-US"/>
+                        <a:t>Kemampuan untuk membuat model empirik dengan interpolasi dan fitting kurva, menggunakan array dengan Numpy</a:t>
                       </a:r>
-                      <a:r>
-                        <a:rPr lang="en-US" baseline="0" smtClean="0"/>
-                        <a:t> – 7 </a:t>
-                      </a:r>
-                      <a:endParaRPr lang="en-US"/>
                     </a:p>
                   </a:txBody>
                   <a:tcPr/>
                 </a:tc>
                 <a:extLst>
                   <a:ext uri="{0D108BD9-81ED-4DB2-BD59-A6C34878D82A}">
-                    <a16:rowId xmlns:a16="http://schemas.microsoft.com/office/drawing/2014/main" xmlns="" val="10001"/>
+                    <a16:rowId xmlns:a16="http://schemas.microsoft.com/office/drawing/2014/main" val="10001"/>
                   </a:ext>
                 </a:extLst>
               </a:tr>
@@ -8485,10 +6382,9 @@
               <a:defRPr/>
             </a:pPr>
             <a:r>
-              <a:rPr lang="en-US" smtClean="0"/>
+              <a:rPr lang="en-US"/>
               <a:t>SK5003 Pemrograman dalam Sains</a:t>
             </a:r>
-            <a:endParaRPr lang="en-US"/>
           </a:p>
         </p:txBody>
       </p:sp>
@@ -8511,10 +6407,9 @@
               <a:defRPr/>
             </a:pPr>
             <a:r>
-              <a:rPr lang="en-US" smtClean="0"/>
-              <a:t>2023-05-20 | 40132 | +62</a:t>
-            </a:r>
-            <a:endParaRPr lang="en-US"/>
+              <a:rPr lang="en-US"/>
+              <a:t>2023-05-27 | 40132 | +62</a:t>
+            </a:r>
           </a:p>
         </p:txBody>
       </p:sp>
@@ -8552,13 +6447,6 @@
   <p:clrMapOvr>
     <a:masterClrMapping/>
   </p:clrMapOvr>
-  <p:timing>
-    <p:tnLst>
-      <p:par>
-        <p:cTn id="1" dur="indefinite" restart="never" nodeType="tmRoot"/>
-      </p:par>
-    </p:tnLst>
-  </p:timing>
 </p:sld>
 </file>
 
@@ -8672,10 +6560,9 @@
               <a:defRPr/>
             </a:pPr>
             <a:r>
-              <a:rPr lang="en-US" smtClean="0"/>
+              <a:rPr lang="en-US"/>
               <a:t>SK5003 Pemrograman dalam Sains</a:t>
             </a:r>
-            <a:endParaRPr lang="en-US"/>
           </a:p>
         </p:txBody>
       </p:sp>
@@ -8698,10 +6585,9 @@
               <a:defRPr/>
             </a:pPr>
             <a:r>
-              <a:rPr lang="en-US" smtClean="0"/>
-              <a:t>2023-05-20 | 40132 | +62</a:t>
-            </a:r>
-            <a:endParaRPr lang="en-US"/>
+              <a:rPr lang="en-US"/>
+              <a:t>2023-05-27 | 40132 | +62</a:t>
+            </a:r>
           </a:p>
         </p:txBody>
       </p:sp>
@@ -8789,13 +6675,6 @@
   <p:clrMapOvr>
     <a:masterClrMapping/>
   </p:clrMapOvr>
-  <p:timing>
-    <p:tnLst>
-      <p:par>
-        <p:cTn id="1" dur="indefinite" restart="never" nodeType="tmRoot"/>
-      </p:par>
-    </p:tnLst>
-  </p:timing>
 </p:sld>
 </file>
 
@@ -8818,6 +6697,123 @@
       </p:grpSpPr>
       <p:sp>
         <p:nvSpPr>
+          <p:cNvPr id="2" name="Title 1"/>
+          <p:cNvSpPr>
+            <a:spLocks noGrp="1"/>
+          </p:cNvSpPr>
+          <p:nvPr>
+            <p:ph type="title"/>
+          </p:nvPr>
+        </p:nvSpPr>
+        <p:spPr/>
+        <p:txBody>
+          <a:bodyPr/>
+          <a:lstStyle/>
+          <a:p>
+            <a:r>
+              <a:rPr lang="en-US"/>
+              <a:t>R1</a:t>
+            </a:r>
+          </a:p>
+        </p:txBody>
+      </p:sp>
+      <p:sp>
+        <p:nvSpPr>
+          <p:cNvPr id="3" name="Content Placeholder 2"/>
+          <p:cNvSpPr>
+            <a:spLocks noGrp="1"/>
+          </p:cNvSpPr>
+          <p:nvPr>
+            <p:ph sz="half" idx="1"/>
+          </p:nvPr>
+        </p:nvSpPr>
+        <p:spPr/>
+        <p:txBody>
+          <a:bodyPr/>
+          <a:lstStyle/>
+          <a:p>
+            <a:pPr algn="ctr">
+              <a:buNone/>
+            </a:pPr>
+            <a:r>
+              <a:rPr lang="en-US"/>
+              <a:t>C16</a:t>
+            </a:r>
+          </a:p>
+          <a:p>
+            <a:r>
+              <a:rPr lang="en-US"/>
+              <a:t>Interpolation</a:t>
+            </a:r>
+          </a:p>
+          <a:p>
+            <a:r>
+              <a:rPr lang="en-US"/>
+              <a:t>Curve fitting</a:t>
+            </a:r>
+          </a:p>
+          <a:p>
+            <a:endParaRPr lang="en-US"/>
+          </a:p>
+        </p:txBody>
+      </p:sp>
+      <p:sp>
+        <p:nvSpPr>
+          <p:cNvPr id="8" name="Content Placeholder 7"/>
+          <p:cNvSpPr>
+            <a:spLocks noGrp="1"/>
+          </p:cNvSpPr>
+          <p:nvPr>
+            <p:ph sz="half" idx="2"/>
+          </p:nvPr>
+        </p:nvSpPr>
+        <p:spPr/>
+        <p:txBody>
+          <a:bodyPr/>
+          <a:lstStyle/>
+          <a:p>
+            <a:pPr algn="ctr">
+              <a:buNone/>
+            </a:pPr>
+            <a:r>
+              <a:rPr lang="en-US"/>
+              <a:t>C17</a:t>
+            </a:r>
+          </a:p>
+          <a:p>
+            <a:r>
+              <a:rPr lang="en-US"/>
+              <a:t>Vector</a:t>
+            </a:r>
+          </a:p>
+          <a:p>
+            <a:r>
+              <a:rPr lang="en-US"/>
+              <a:t>Addition</a:t>
+            </a:r>
+          </a:p>
+          <a:p>
+            <a:r>
+              <a:rPr lang="en-US"/>
+              <a:t>Multiplication</a:t>
+            </a:r>
+          </a:p>
+          <a:p>
+            <a:r>
+              <a:rPr lang="en-US"/>
+              <a:t>Dot product</a:t>
+            </a:r>
+          </a:p>
+          <a:p>
+            <a:r>
+              <a:rPr lang="en-US"/>
+              <a:t>Cross product</a:t>
+            </a:r>
+          </a:p>
+        </p:txBody>
+      </p:sp>
+      <p:sp>
+        <p:nvSpPr>
           <p:cNvPr id="4" name="Date Placeholder 3"/>
           <p:cNvSpPr>
             <a:spLocks noGrp="1"/>
@@ -8835,10 +6831,9 @@
               <a:defRPr/>
             </a:pPr>
             <a:r>
-              <a:rPr lang="en-US" smtClean="0"/>
+              <a:rPr lang="en-US"/>
               <a:t>SK5003 Pemrograman dalam Sains</a:t>
             </a:r>
-            <a:endParaRPr lang="en-US"/>
           </a:p>
         </p:txBody>
       </p:sp>
@@ -8861,10 +6856,9 @@
               <a:defRPr/>
             </a:pPr>
             <a:r>
-              <a:rPr lang="en-US" smtClean="0"/>
-              <a:t>2023-05-20 | 40132 | +62</a:t>
-            </a:r>
-            <a:endParaRPr lang="en-US"/>
+              <a:rPr lang="en-US"/>
+              <a:t>2023-05-27 | 40132 | +62</a:t>
+            </a:r>
           </a:p>
         </p:txBody>
       </p:sp>
@@ -8897,95 +6891,11 @@
           </a:p>
         </p:txBody>
       </p:sp>
-      <p:sp>
-        <p:nvSpPr>
-          <p:cNvPr id="9" name="Subtitle 2"/>
-          <p:cNvSpPr>
-            <a:spLocks/>
-          </p:cNvSpPr>
-          <p:nvPr/>
-        </p:nvSpPr>
-        <p:spPr bwMode="auto">
-          <a:xfrm>
-            <a:off x="3200401" y="3105150"/>
-            <a:ext cx="5486400" cy="952500"/>
-          </a:xfrm>
-          <a:prstGeom prst="rect">
-            <a:avLst/>
-          </a:prstGeom>
-          <a:noFill/>
-          <a:ln w="9525">
-            <a:noFill/>
-            <a:miter lim="800000"/>
-            <a:headEnd/>
-            <a:tailEnd/>
-          </a:ln>
-        </p:spPr>
-        <p:txBody>
-          <a:bodyPr/>
-          <a:lstStyle/>
-          <a:p>
-            <a:pPr algn="r">
-              <a:lnSpc>
-                <a:spcPct val="80000"/>
-              </a:lnSpc>
-              <a:spcBef>
-                <a:spcPct val="20000"/>
-              </a:spcBef>
-              <a:buFont typeface="Arial" charset="0"/>
-              <a:buNone/>
-            </a:pPr>
-            <a:r>
-              <a:rPr lang="en-US" sz="2800" b="1" smtClean="0">
-                <a:solidFill>
-                  <a:schemeClr val="bg1"/>
-                </a:solidFill>
-                <a:latin typeface="Calibri" pitchFamily="34" charset="0"/>
-              </a:rPr>
-              <a:t>Minggu 1</a:t>
-            </a:r>
-          </a:p>
-          <a:p>
-            <a:pPr algn="r">
-              <a:lnSpc>
-                <a:spcPct val="80000"/>
-              </a:lnSpc>
-              <a:spcBef>
-                <a:spcPct val="20000"/>
-              </a:spcBef>
-              <a:buFont typeface="Arial" charset="0"/>
-              <a:buNone/>
-            </a:pPr>
-            <a:r>
-              <a:rPr lang="en-US" sz="2800" b="1" smtClean="0">
-                <a:solidFill>
-                  <a:schemeClr val="bg1"/>
-                </a:solidFill>
-                <a:latin typeface="Calibri" pitchFamily="34" charset="0"/>
-              </a:rPr>
-              <a:t>SK5003 Pemrograman dalam Sains</a:t>
-            </a:r>
-            <a:endParaRPr lang="en-US" sz="2800" b="1">
-              <a:solidFill>
-                <a:schemeClr val="bg1"/>
-              </a:solidFill>
-              <a:latin typeface="Calibri" pitchFamily="34" charset="0"/>
-            </a:endParaRPr>
-          </a:p>
-        </p:txBody>
-      </p:sp>
     </p:spTree>
   </p:cSld>
   <p:clrMapOvr>
     <a:masterClrMapping/>
   </p:clrMapOvr>
-  <p:timing>
-    <p:tnLst>
-      <p:par>
-        <p:cTn id="1" dur="indefinite" restart="never" nodeType="tmRoot"/>
-      </p:par>
-    </p:tnLst>
-  </p:timing>
 </p:sld>
 </file>
 
@@ -9008,44 +6918,6 @@
       </p:grpSpPr>
       <p:sp>
         <p:nvSpPr>
-          <p:cNvPr id="7" name="Title 6"/>
-          <p:cNvSpPr>
-            <a:spLocks noGrp="1"/>
-          </p:cNvSpPr>
-          <p:nvPr>
-            <p:ph type="title"/>
-          </p:nvPr>
-        </p:nvSpPr>
-        <p:spPr/>
-        <p:txBody>
-          <a:bodyPr/>
-          <a:lstStyle/>
-          <a:p>
-            <a:endParaRPr lang="en-US"/>
-          </a:p>
-        </p:txBody>
-      </p:sp>
-      <p:sp>
-        <p:nvSpPr>
-          <p:cNvPr id="8" name="Content Placeholder 7"/>
-          <p:cNvSpPr>
-            <a:spLocks noGrp="1"/>
-          </p:cNvSpPr>
-          <p:nvPr>
-            <p:ph idx="1"/>
-          </p:nvPr>
-        </p:nvSpPr>
-        <p:spPr/>
-        <p:txBody>
-          <a:bodyPr/>
-          <a:lstStyle/>
-          <a:p>
-            <a:endParaRPr lang="en-US"/>
-          </a:p>
-        </p:txBody>
-      </p:sp>
-      <p:sp>
-        <p:nvSpPr>
           <p:cNvPr id="4" name="Date Placeholder 3"/>
           <p:cNvSpPr>
             <a:spLocks noGrp="1"/>
@@ -9063,10 +6935,9 @@
               <a:defRPr/>
             </a:pPr>
             <a:r>
-              <a:rPr lang="en-US" smtClean="0"/>
+              <a:rPr lang="en-US"/>
               <a:t>SK5003 Pemrograman dalam Sains</a:t>
             </a:r>
-            <a:endParaRPr lang="en-US"/>
           </a:p>
         </p:txBody>
       </p:sp>
@@ -9089,10 +6960,9 @@
               <a:defRPr/>
             </a:pPr>
             <a:r>
-              <a:rPr lang="en-US" smtClean="0"/>
-              <a:t>2023-05-20 | 40132 | +62</a:t>
-            </a:r>
-            <a:endParaRPr lang="en-US"/>
+              <a:rPr lang="en-US"/>
+              <a:t>2023-05-27 | 40132 | +62</a:t>
+            </a:r>
           </a:p>
         </p:txBody>
       </p:sp>
@@ -9114,7 +6984,7 @@
             <a:pPr>
               <a:defRPr/>
             </a:pPr>
-            <a:fld id="{B41179C8-1349-4548-830D-DF332C660C9B}" type="slidenum">
+            <a:fld id="{F076344D-F0A0-4571-8A46-686886838267}" type="slidenum">
               <a:rPr lang="en-US" smtClean="0"/>
               <a:pPr>
                 <a:defRPr/>
@@ -9127,48 +6997,51 @@
       </p:sp>
       <p:sp>
         <p:nvSpPr>
-          <p:cNvPr id="9" name="Rectangle 8">
-            <a:hlinkClick r:id="rId2"/>
-          </p:cNvPr>
-          <p:cNvSpPr/>
+          <p:cNvPr id="9" name="Subtitle 2"/>
+          <p:cNvSpPr>
+            <a:spLocks/>
+          </p:cNvSpPr>
           <p:nvPr/>
         </p:nvSpPr>
-        <p:spPr>
+        <p:spPr bwMode="auto">
           <a:xfrm>
-            <a:off x="457200" y="4129203"/>
-            <a:ext cx="8229600" cy="276999"/>
+            <a:off x="3200401" y="3105150"/>
+            <a:ext cx="5486400" cy="952500"/>
           </a:xfrm>
           <a:prstGeom prst="rect">
             <a:avLst/>
           </a:prstGeom>
+          <a:noFill/>
+          <a:ln w="9525">
+            <a:noFill/>
+            <a:miter lim="800000"/>
+            <a:headEnd/>
+            <a:tailEnd/>
+          </a:ln>
         </p:spPr>
         <p:txBody>
-          <a:bodyPr wrap="square">
-            <a:spAutoFit/>
-          </a:bodyPr>
-          <a:lstStyle/>
-          <a:p>
-            <a:r>
-              <a:rPr lang="en-US" sz="1200" smtClean="0"/>
-              <a:t>Sparisoma Viridi, “”, Zenodo, , </a:t>
-            </a:r>
-            <a:r>
-              <a:rPr lang="en-US" sz="1200" smtClean="0"/>
-              <a:t>url </a:t>
-            </a:r>
-            <a:r>
-              <a:rPr lang="en-US" sz="1200" smtClean="0">
+          <a:bodyPr/>
+          <a:lstStyle/>
+          <a:p>
+            <a:pPr algn="r">
+              <a:lnSpc>
+                <a:spcPct val="80000"/>
+              </a:lnSpc>
+              <a:spcBef>
+                <a:spcPct val="20000"/>
+              </a:spcBef>
+              <a:buFont typeface="Arial" charset="0"/>
+              <a:buNone/>
+            </a:pPr>
+            <a:r>
+              <a:rPr lang="en-US" sz="2800" b="1">
                 <a:solidFill>
-                  <a:srgbClr val="0070C0"/>
+                  <a:schemeClr val="bg1"/>
                 </a:solidFill>
+                <a:latin typeface="Calibri" pitchFamily="34" charset="0"/>
               </a:rPr>
-              <a:t>https://doi.org/10.5281/zenodo.</a:t>
-            </a:r>
-            <a:r>
-              <a:rPr lang="en-US" sz="1200" smtClean="0"/>
-              <a:t>.</a:t>
-            </a:r>
-            <a:endParaRPr lang="en-US" sz="1200"/>
+              <a:t>Interpolasi</a:t>
+            </a:r>
           </a:p>
         </p:txBody>
       </p:sp>
@@ -9177,13 +7050,6 @@
   <p:clrMapOvr>
     <a:masterClrMapping/>
   </p:clrMapOvr>
-  <p:timing>
-    <p:tnLst>
-      <p:par>
-        <p:cTn id="1" dur="indefinite" restart="never" nodeType="tmRoot"/>
-      </p:par>
-    </p:tnLst>
-  </p:timing>
 </p:sld>
 </file>
 
@@ -9206,6 +7072,68 @@
       </p:grpSpPr>
       <p:sp>
         <p:nvSpPr>
+          <p:cNvPr id="7" name="Title 6"/>
+          <p:cNvSpPr>
+            <a:spLocks noGrp="1"/>
+          </p:cNvSpPr>
+          <p:nvPr>
+            <p:ph type="title"/>
+          </p:nvPr>
+        </p:nvSpPr>
+        <p:spPr/>
+        <p:txBody>
+          <a:bodyPr/>
+          <a:lstStyle/>
+          <a:p>
+            <a:r>
+              <a:rPr lang="en-US"/>
+              <a:t>Interpolasi</a:t>
+            </a:r>
+          </a:p>
+        </p:txBody>
+      </p:sp>
+      <p:sp>
+        <p:nvSpPr>
+          <p:cNvPr id="8" name="Content Placeholder 7"/>
+          <p:cNvSpPr>
+            <a:spLocks noGrp="1"/>
+          </p:cNvSpPr>
+          <p:nvPr>
+            <p:ph idx="1"/>
+          </p:nvPr>
+        </p:nvSpPr>
+        <p:spPr/>
+        <p:txBody>
+          <a:bodyPr/>
+          <a:lstStyle/>
+          <a:p>
+            <a:r>
+              <a:rPr lang="en-US"/>
+              <a:t>Estimasi data antara</a:t>
+            </a:r>
+          </a:p>
+          <a:p>
+            <a:r>
+              <a:rPr lang="en-US"/>
+              <a:t>Interpolasi linier</a:t>
+            </a:r>
+          </a:p>
+          <a:p>
+            <a:r>
+              <a:rPr lang="en-US"/>
+              <a:t>Interpolasi cubic spline</a:t>
+            </a:r>
+          </a:p>
+          <a:p>
+            <a:r>
+              <a:rPr lang="en-US"/>
+              <a:t>Interpolasi polinomial Lagrange</a:t>
+            </a:r>
+          </a:p>
+        </p:txBody>
+      </p:sp>
+      <p:sp>
+        <p:nvSpPr>
           <p:cNvPr id="4" name="Date Placeholder 3"/>
           <p:cNvSpPr>
             <a:spLocks noGrp="1"/>
@@ -9223,10 +7151,9 @@
               <a:defRPr/>
             </a:pPr>
             <a:r>
-              <a:rPr lang="en-US" smtClean="0"/>
+              <a:rPr lang="en-US"/>
               <a:t>SK5003 Pemrograman dalam Sains</a:t>
             </a:r>
-            <a:endParaRPr lang="en-US"/>
           </a:p>
         </p:txBody>
       </p:sp>
@@ -9249,10 +7176,9 @@
               <a:defRPr/>
             </a:pPr>
             <a:r>
-              <a:rPr lang="en-US" smtClean="0"/>
-              <a:t>2023-05-20 | 40132 | +62</a:t>
-            </a:r>
-            <a:endParaRPr lang="en-US"/>
+              <a:rPr lang="en-US"/>
+              <a:t>2023-05-27 | 40132 | +62</a:t>
+            </a:r>
           </a:p>
         </p:txBody>
       </p:sp>
@@ -9274,7 +7200,7 @@
             <a:pPr>
               <a:defRPr/>
             </a:pPr>
-            <a:fld id="{F076344D-F0A0-4571-8A46-686886838267}" type="slidenum">
+            <a:fld id="{B41179C8-1349-4548-830D-DF332C660C9B}" type="slidenum">
               <a:rPr lang="en-US" smtClean="0"/>
               <a:pPr>
                 <a:defRPr/>
@@ -9285,95 +7211,11 @@
           </a:p>
         </p:txBody>
       </p:sp>
-      <p:sp>
-        <p:nvSpPr>
-          <p:cNvPr id="9" name="Subtitle 2"/>
-          <p:cNvSpPr>
-            <a:spLocks/>
-          </p:cNvSpPr>
-          <p:nvPr/>
-        </p:nvSpPr>
-        <p:spPr bwMode="auto">
-          <a:xfrm>
-            <a:off x="3276601" y="3105150"/>
-            <a:ext cx="5410200" cy="952500"/>
-          </a:xfrm>
-          <a:prstGeom prst="rect">
-            <a:avLst/>
-          </a:prstGeom>
-          <a:noFill/>
-          <a:ln w="9525">
-            <a:noFill/>
-            <a:miter lim="800000"/>
-            <a:headEnd/>
-            <a:tailEnd/>
-          </a:ln>
-        </p:spPr>
-        <p:txBody>
-          <a:bodyPr/>
-          <a:lstStyle/>
-          <a:p>
-            <a:pPr algn="r">
-              <a:lnSpc>
-                <a:spcPct val="80000"/>
-              </a:lnSpc>
-              <a:spcBef>
-                <a:spcPct val="20000"/>
-              </a:spcBef>
-              <a:buFont typeface="Arial" charset="0"/>
-              <a:buNone/>
-            </a:pPr>
-            <a:r>
-              <a:rPr lang="en-US" sz="2800" b="1" smtClean="0">
-                <a:solidFill>
-                  <a:schemeClr val="bg1"/>
-                </a:solidFill>
-                <a:latin typeface="Calibri" pitchFamily="34" charset="0"/>
-              </a:rPr>
-              <a:t>Minggu 2</a:t>
-            </a:r>
-          </a:p>
-          <a:p>
-            <a:pPr algn="r">
-              <a:lnSpc>
-                <a:spcPct val="80000"/>
-              </a:lnSpc>
-              <a:spcBef>
-                <a:spcPct val="20000"/>
-              </a:spcBef>
-              <a:buFont typeface="Arial" charset="0"/>
-              <a:buNone/>
-            </a:pPr>
-            <a:r>
-              <a:rPr lang="en-US" sz="2800" b="1" smtClean="0">
-                <a:solidFill>
-                  <a:schemeClr val="bg1"/>
-                </a:solidFill>
-                <a:latin typeface="Calibri" pitchFamily="34" charset="0"/>
-              </a:rPr>
-              <a:t>Dasar-dasar pemrograman Python</a:t>
-            </a:r>
-            <a:endParaRPr lang="en-US" sz="2800" b="1">
-              <a:solidFill>
-                <a:schemeClr val="bg1"/>
-              </a:solidFill>
-              <a:latin typeface="Calibri" pitchFamily="34" charset="0"/>
-            </a:endParaRPr>
-          </a:p>
-        </p:txBody>
-      </p:sp>
     </p:spTree>
   </p:cSld>
   <p:clrMapOvr>
     <a:masterClrMapping/>
   </p:clrMapOvr>
-  <p:timing>
-    <p:tnLst>
-      <p:par>
-        <p:cTn id="1" dur="indefinite" restart="never" nodeType="tmRoot"/>
-      </p:par>
-    </p:tnLst>
-  </p:timing>
 </p:sld>
 </file>
 
